--- a/MLP.pptx
+++ b/MLP.pptx
@@ -105,6 +105,11 @@
       </a:defRPr>
     </a:lvl9pPr>
   </p:defaultTextStyle>
+  <p:extLst>
+    <p:ext uri="{EFAFB233-063F-42B5-8137-9DF3F51BA10A}">
+      <p15:sldGuideLst xmlns:p15="http://schemas.microsoft.com/office/powerpoint/2012/main"/>
+    </p:ext>
+  </p:extLst>
 </p:presentation>
 </file>
 
@@ -257,7 +262,7 @@
           <a:p>
             <a:fld id="{0C4C7B00-94F1-4D26-9C9B-8FAEF0E5A0D3}" type="datetimeFigureOut">
               <a:rPr lang="en-GB" smtClean="0"/>
-              <a:t>22/02/2024</a:t>
+              <a:t>25/02/2024</a:t>
             </a:fld>
             <a:endParaRPr lang="en-GB"/>
           </a:p>
@@ -457,7 +462,7 @@
           <a:p>
             <a:fld id="{0C4C7B00-94F1-4D26-9C9B-8FAEF0E5A0D3}" type="datetimeFigureOut">
               <a:rPr lang="en-GB" smtClean="0"/>
-              <a:t>22/02/2024</a:t>
+              <a:t>25/02/2024</a:t>
             </a:fld>
             <a:endParaRPr lang="en-GB"/>
           </a:p>
@@ -667,7 +672,7 @@
           <a:p>
             <a:fld id="{0C4C7B00-94F1-4D26-9C9B-8FAEF0E5A0D3}" type="datetimeFigureOut">
               <a:rPr lang="en-GB" smtClean="0"/>
-              <a:t>22/02/2024</a:t>
+              <a:t>25/02/2024</a:t>
             </a:fld>
             <a:endParaRPr lang="en-GB"/>
           </a:p>
@@ -867,7 +872,7 @@
           <a:p>
             <a:fld id="{0C4C7B00-94F1-4D26-9C9B-8FAEF0E5A0D3}" type="datetimeFigureOut">
               <a:rPr lang="en-GB" smtClean="0"/>
-              <a:t>22/02/2024</a:t>
+              <a:t>25/02/2024</a:t>
             </a:fld>
             <a:endParaRPr lang="en-GB"/>
           </a:p>
@@ -1143,7 +1148,7 @@
           <a:p>
             <a:fld id="{0C4C7B00-94F1-4D26-9C9B-8FAEF0E5A0D3}" type="datetimeFigureOut">
               <a:rPr lang="en-GB" smtClean="0"/>
-              <a:t>22/02/2024</a:t>
+              <a:t>25/02/2024</a:t>
             </a:fld>
             <a:endParaRPr lang="en-GB"/>
           </a:p>
@@ -1411,7 +1416,7 @@
           <a:p>
             <a:fld id="{0C4C7B00-94F1-4D26-9C9B-8FAEF0E5A0D3}" type="datetimeFigureOut">
               <a:rPr lang="en-GB" smtClean="0"/>
-              <a:t>22/02/2024</a:t>
+              <a:t>25/02/2024</a:t>
             </a:fld>
             <a:endParaRPr lang="en-GB"/>
           </a:p>
@@ -1826,7 +1831,7 @@
           <a:p>
             <a:fld id="{0C4C7B00-94F1-4D26-9C9B-8FAEF0E5A0D3}" type="datetimeFigureOut">
               <a:rPr lang="en-GB" smtClean="0"/>
-              <a:t>22/02/2024</a:t>
+              <a:t>25/02/2024</a:t>
             </a:fld>
             <a:endParaRPr lang="en-GB"/>
           </a:p>
@@ -1968,7 +1973,7 @@
           <a:p>
             <a:fld id="{0C4C7B00-94F1-4D26-9C9B-8FAEF0E5A0D3}" type="datetimeFigureOut">
               <a:rPr lang="en-GB" smtClean="0"/>
-              <a:t>22/02/2024</a:t>
+              <a:t>25/02/2024</a:t>
             </a:fld>
             <a:endParaRPr lang="en-GB"/>
           </a:p>
@@ -2081,7 +2086,7 @@
           <a:p>
             <a:fld id="{0C4C7B00-94F1-4D26-9C9B-8FAEF0E5A0D3}" type="datetimeFigureOut">
               <a:rPr lang="en-GB" smtClean="0"/>
-              <a:t>22/02/2024</a:t>
+              <a:t>25/02/2024</a:t>
             </a:fld>
             <a:endParaRPr lang="en-GB"/>
           </a:p>
@@ -2394,7 +2399,7 @@
           <a:p>
             <a:fld id="{0C4C7B00-94F1-4D26-9C9B-8FAEF0E5A0D3}" type="datetimeFigureOut">
               <a:rPr lang="en-GB" smtClean="0"/>
-              <a:t>22/02/2024</a:t>
+              <a:t>25/02/2024</a:t>
             </a:fld>
             <a:endParaRPr lang="en-GB"/>
           </a:p>
@@ -2683,7 +2688,7 @@
           <a:p>
             <a:fld id="{0C4C7B00-94F1-4D26-9C9B-8FAEF0E5A0D3}" type="datetimeFigureOut">
               <a:rPr lang="en-GB" smtClean="0"/>
-              <a:t>22/02/2024</a:t>
+              <a:t>25/02/2024</a:t>
             </a:fld>
             <a:endParaRPr lang="en-GB"/>
           </a:p>
@@ -2926,7 +2931,7 @@
           <a:p>
             <a:fld id="{0C4C7B00-94F1-4D26-9C9B-8FAEF0E5A0D3}" type="datetimeFigureOut">
               <a:rPr lang="en-GB" smtClean="0"/>
-              <a:t>22/02/2024</a:t>
+              <a:t>25/02/2024</a:t>
             </a:fld>
             <a:endParaRPr lang="en-GB"/>
           </a:p>
@@ -7826,10 +7831,10 @@
       </p:grpSpPr>
       <p:sp>
         <p:nvSpPr>
-          <p:cNvPr id="146" name="Téglalap: lekerekített 145">
-            <a:extLst>
-              <a:ext uri="{FF2B5EF4-FFF2-40B4-BE49-F238E27FC236}">
-                <a16:creationId xmlns:a16="http://schemas.microsoft.com/office/drawing/2014/main" id="{11A3AC32-23DA-9E33-6034-B9F2F0847652}"/>
+          <p:cNvPr id="24" name="Ellipszis 224">
+            <a:extLst>
+              <a:ext uri="{FF2B5EF4-FFF2-40B4-BE49-F238E27FC236}">
+                <a16:creationId xmlns:a16="http://schemas.microsoft.com/office/drawing/2014/main" id="{92A02DEC-F49A-0D09-184C-63330D4BFB72}"/>
               </a:ext>
             </a:extLst>
           </p:cNvPr>
@@ -7838,13 +7843,20 @@
         </p:nvSpPr>
         <p:spPr>
           <a:xfrm>
-            <a:off x="1060438" y="1256232"/>
-            <a:ext cx="704850" cy="2824386"/>
-          </a:xfrm>
-          <a:prstGeom prst="roundRect">
-            <a:avLst/>
-          </a:prstGeom>
-          <a:noFill/>
+            <a:off x="5935604" y="3478304"/>
+            <a:ext cx="664466" cy="644700"/>
+          </a:xfrm>
+          <a:prstGeom prst="ellipse">
+            <a:avLst/>
+          </a:prstGeom>
+          <a:solidFill>
+            <a:srgbClr val="00B050"/>
+          </a:solidFill>
+          <a:ln>
+            <a:solidFill>
+              <a:srgbClr val="00B050"/>
+            </a:solidFill>
+          </a:ln>
         </p:spPr>
         <p:style>
           <a:lnRef idx="2">
@@ -7866,17 +7878,23 @@
           <a:bodyPr rtlCol="0" anchor="ctr"/>
           <a:lstStyle/>
           <a:p>
-            <a:pPr algn="ctr"/>
-            <a:endParaRPr lang="en-GB"/>
-          </a:p>
-        </p:txBody>
-      </p:sp>
-      <p:sp>
-        <p:nvSpPr>
-          <p:cNvPr id="147" name="Téglalap: lekerekített 146">
-            <a:extLst>
-              <a:ext uri="{FF2B5EF4-FFF2-40B4-BE49-F238E27FC236}">
-                <a16:creationId xmlns:a16="http://schemas.microsoft.com/office/drawing/2014/main" id="{F38D3FF4-EE04-9522-75EF-C077364A800E}"/>
+            <a:r>
+              <a:rPr lang="en-GB" sz="700" dirty="0" err="1"/>
+              <a:t>i-edik</a:t>
+            </a:r>
+            <a:r>
+              <a:rPr lang="en-GB" sz="700" dirty="0"/>
+              <a:t> neuron</a:t>
+            </a:r>
+          </a:p>
+        </p:txBody>
+      </p:sp>
+      <p:sp>
+        <p:nvSpPr>
+          <p:cNvPr id="146" name="Téglalap: lekerekített 145">
+            <a:extLst>
+              <a:ext uri="{FF2B5EF4-FFF2-40B4-BE49-F238E27FC236}">
+                <a16:creationId xmlns:a16="http://schemas.microsoft.com/office/drawing/2014/main" id="{11A3AC32-23DA-9E33-6034-B9F2F0847652}"/>
               </a:ext>
             </a:extLst>
           </p:cNvPr>
@@ -7885,18 +7903,13 @@
         </p:nvSpPr>
         <p:spPr>
           <a:xfrm>
-            <a:off x="2494948" y="1268581"/>
-            <a:ext cx="704850" cy="2877620"/>
+            <a:off x="3016238" y="1990191"/>
+            <a:ext cx="704850" cy="2824386"/>
           </a:xfrm>
           <a:prstGeom prst="roundRect">
             <a:avLst/>
           </a:prstGeom>
           <a:noFill/>
-          <a:ln>
-            <a:solidFill>
-              <a:srgbClr val="00B050"/>
-            </a:solidFill>
-          </a:ln>
         </p:spPr>
         <p:style>
           <a:lnRef idx="2">
@@ -7925,10 +7938,10 @@
       </p:sp>
       <p:sp>
         <p:nvSpPr>
-          <p:cNvPr id="148" name="Ellipszis 147">
-            <a:extLst>
-              <a:ext uri="{FF2B5EF4-FFF2-40B4-BE49-F238E27FC236}">
-                <a16:creationId xmlns:a16="http://schemas.microsoft.com/office/drawing/2014/main" id="{93E0A0E4-74CC-ECED-BA56-688EFB75AA43}"/>
+          <p:cNvPr id="147" name="Téglalap: lekerekített 146">
+            <a:extLst>
+              <a:ext uri="{FF2B5EF4-FFF2-40B4-BE49-F238E27FC236}">
+                <a16:creationId xmlns:a16="http://schemas.microsoft.com/office/drawing/2014/main" id="{F38D3FF4-EE04-9522-75EF-C077364A800E}"/>
               </a:ext>
             </a:extLst>
           </p:cNvPr>
@@ -7937,12 +7950,18 @@
         </p:nvSpPr>
         <p:spPr>
           <a:xfrm>
-            <a:off x="1087054" y="2342616"/>
-            <a:ext cx="651617" cy="651617"/>
-          </a:xfrm>
-          <a:prstGeom prst="ellipse">
-            <a:avLst/>
-          </a:prstGeom>
+            <a:off x="4450748" y="2002540"/>
+            <a:ext cx="704850" cy="2877620"/>
+          </a:xfrm>
+          <a:prstGeom prst="roundRect">
+            <a:avLst/>
+          </a:prstGeom>
+          <a:noFill/>
+          <a:ln>
+            <a:solidFill>
+              <a:srgbClr val="00B050"/>
+            </a:solidFill>
+          </a:ln>
         </p:spPr>
         <p:style>
           <a:lnRef idx="2">
@@ -7965,16 +7984,16 @@
           <a:lstStyle/>
           <a:p>
             <a:pPr algn="ctr"/>
-            <a:endParaRPr lang="en-GB" dirty="0"/>
-          </a:p>
-        </p:txBody>
-      </p:sp>
-      <p:sp>
-        <p:nvSpPr>
-          <p:cNvPr id="149" name="Ellipszis 148">
-            <a:extLst>
-              <a:ext uri="{FF2B5EF4-FFF2-40B4-BE49-F238E27FC236}">
-                <a16:creationId xmlns:a16="http://schemas.microsoft.com/office/drawing/2014/main" id="{1D2223CB-D276-275E-3796-BC5D28E39B90}"/>
+            <a:endParaRPr lang="en-GB"/>
+          </a:p>
+        </p:txBody>
+      </p:sp>
+      <p:sp>
+        <p:nvSpPr>
+          <p:cNvPr id="148" name="Ellipszis 147">
+            <a:extLst>
+              <a:ext uri="{FF2B5EF4-FFF2-40B4-BE49-F238E27FC236}">
+                <a16:creationId xmlns:a16="http://schemas.microsoft.com/office/drawing/2014/main" id="{93E0A0E4-74CC-ECED-BA56-688EFB75AA43}"/>
               </a:ext>
             </a:extLst>
           </p:cNvPr>
@@ -7983,20 +8002,12 @@
         </p:nvSpPr>
         <p:spPr>
           <a:xfrm>
-            <a:off x="2518431" y="1318705"/>
+            <a:off x="3042854" y="3076575"/>
             <a:ext cx="651617" cy="651617"/>
           </a:xfrm>
           <a:prstGeom prst="ellipse">
             <a:avLst/>
           </a:prstGeom>
-          <a:solidFill>
-            <a:srgbClr val="00B050"/>
-          </a:solidFill>
-          <a:ln>
-            <a:solidFill>
-              <a:srgbClr val="00B050"/>
-            </a:solidFill>
-          </a:ln>
         </p:spPr>
         <p:style>
           <a:lnRef idx="2">
@@ -8019,62 +8030,16 @@
           <a:lstStyle/>
           <a:p>
             <a:pPr algn="ctr"/>
-            <a:r>
-              <a:rPr lang="en-GB" sz="900" dirty="0"/>
-              <a:t>1. </a:t>
-            </a:r>
-            <a:r>
-              <a:rPr lang="en-GB" sz="700" dirty="0"/>
-              <a:t>neuron</a:t>
-            </a:r>
-            <a:endParaRPr lang="en-GB" sz="1050" dirty="0"/>
-          </a:p>
-        </p:txBody>
-      </p:sp>
-      <p:sp>
-        <p:nvSpPr>
-          <p:cNvPr id="150" name="Szövegdoboz 149">
-            <a:extLst>
-              <a:ext uri="{FF2B5EF4-FFF2-40B4-BE49-F238E27FC236}">
-                <a16:creationId xmlns:a16="http://schemas.microsoft.com/office/drawing/2014/main" id="{3C2D3FF2-8F98-8E71-25C8-EB52DE3F5141}"/>
-              </a:ext>
-            </a:extLst>
-          </p:cNvPr>
-          <p:cNvSpPr txBox="1"/>
-          <p:nvPr/>
-        </p:nvSpPr>
-        <p:spPr>
-          <a:xfrm>
-            <a:off x="2696672" y="2841179"/>
-            <a:ext cx="360996" cy="400110"/>
-          </a:xfrm>
-          <a:prstGeom prst="rect">
-            <a:avLst/>
-          </a:prstGeom>
-          <a:noFill/>
-          <a:ln>
-            <a:noFill/>
-          </a:ln>
-        </p:spPr>
-        <p:txBody>
-          <a:bodyPr wrap="none" rtlCol="0">
-            <a:spAutoFit/>
-          </a:bodyPr>
-          <a:lstStyle/>
-          <a:p>
-            <a:r>
-              <a:rPr lang="en-GB" sz="2000" dirty="0"/>
-              <a:t>…</a:t>
-            </a:r>
-          </a:p>
-        </p:txBody>
-      </p:sp>
-      <p:sp>
-        <p:nvSpPr>
-          <p:cNvPr id="151" name="Téglalap: lekerekített 150">
-            <a:extLst>
-              <a:ext uri="{FF2B5EF4-FFF2-40B4-BE49-F238E27FC236}">
-                <a16:creationId xmlns:a16="http://schemas.microsoft.com/office/drawing/2014/main" id="{07A843CF-BB92-CBFD-7D87-2E944EBC4A15}"/>
+            <a:endParaRPr lang="en-GB" dirty="0"/>
+          </a:p>
+        </p:txBody>
+      </p:sp>
+      <p:sp>
+        <p:nvSpPr>
+          <p:cNvPr id="149" name="Ellipszis 148">
+            <a:extLst>
+              <a:ext uri="{FF2B5EF4-FFF2-40B4-BE49-F238E27FC236}">
+                <a16:creationId xmlns:a16="http://schemas.microsoft.com/office/drawing/2014/main" id="{1D2223CB-D276-275E-3796-BC5D28E39B90}"/>
               </a:ext>
             </a:extLst>
           </p:cNvPr>
@@ -8083,13 +8048,15 @@
         </p:nvSpPr>
         <p:spPr>
           <a:xfrm>
-            <a:off x="3935823" y="1256230"/>
-            <a:ext cx="704850" cy="2877621"/>
-          </a:xfrm>
-          <a:prstGeom prst="roundRect">
-            <a:avLst/>
-          </a:prstGeom>
-          <a:noFill/>
+            <a:off x="4474231" y="2052664"/>
+            <a:ext cx="651617" cy="651617"/>
+          </a:xfrm>
+          <a:prstGeom prst="ellipse">
+            <a:avLst/>
+          </a:prstGeom>
+          <a:solidFill>
+            <a:srgbClr val="00B050"/>
+          </a:solidFill>
           <a:ln>
             <a:solidFill>
               <a:srgbClr val="00B050"/>
@@ -8117,72 +8084,42 @@
           <a:lstStyle/>
           <a:p>
             <a:pPr algn="ctr"/>
-            <a:endParaRPr lang="en-GB"/>
-          </a:p>
-        </p:txBody>
-      </p:sp>
-      <p:sp>
-        <p:nvSpPr>
-          <p:cNvPr id="152" name="Szövegdoboz 151">
-            <a:extLst>
-              <a:ext uri="{FF2B5EF4-FFF2-40B4-BE49-F238E27FC236}">
-                <a16:creationId xmlns:a16="http://schemas.microsoft.com/office/drawing/2014/main" id="{38ED9AE0-D0C4-3FAF-5876-37817E315459}"/>
-              </a:ext>
-            </a:extLst>
-          </p:cNvPr>
-          <p:cNvSpPr txBox="1"/>
-          <p:nvPr/>
-        </p:nvSpPr>
-        <p:spPr>
-          <a:xfrm>
-            <a:off x="4107748" y="2841179"/>
-            <a:ext cx="360996" cy="400110"/>
-          </a:xfrm>
-          <a:prstGeom prst="rect">
+            <a:r>
+              <a:rPr lang="en-GB" sz="900" dirty="0"/>
+              <a:t>1. </a:t>
+            </a:r>
+            <a:r>
+              <a:rPr lang="en-GB" sz="700" dirty="0"/>
+              <a:t>neuron</a:t>
+            </a:r>
+            <a:endParaRPr lang="en-GB" sz="1050" dirty="0"/>
+          </a:p>
+        </p:txBody>
+      </p:sp>
+      <p:sp>
+        <p:nvSpPr>
+          <p:cNvPr id="151" name="Téglalap: lekerekített 150">
+            <a:extLst>
+              <a:ext uri="{FF2B5EF4-FFF2-40B4-BE49-F238E27FC236}">
+                <a16:creationId xmlns:a16="http://schemas.microsoft.com/office/drawing/2014/main" id="{07A843CF-BB92-CBFD-7D87-2E944EBC4A15}"/>
+              </a:ext>
+            </a:extLst>
+          </p:cNvPr>
+          <p:cNvSpPr/>
+          <p:nvPr/>
+        </p:nvSpPr>
+        <p:spPr>
+          <a:xfrm>
+            <a:off x="5891623" y="1990189"/>
+            <a:ext cx="704850" cy="2877621"/>
+          </a:xfrm>
+          <a:prstGeom prst="roundRect">
             <a:avLst/>
           </a:prstGeom>
           <a:noFill/>
           <a:ln>
-            <a:noFill/>
-          </a:ln>
-        </p:spPr>
-        <p:txBody>
-          <a:bodyPr wrap="none" rtlCol="0">
-            <a:spAutoFit/>
-          </a:bodyPr>
-          <a:lstStyle/>
-          <a:p>
-            <a:r>
-              <a:rPr lang="en-GB" sz="2000" dirty="0"/>
-              <a:t>…</a:t>
-            </a:r>
-          </a:p>
-        </p:txBody>
-      </p:sp>
-      <p:sp>
-        <p:nvSpPr>
-          <p:cNvPr id="153" name="Téglalap: lekerekített 152">
-            <a:extLst>
-              <a:ext uri="{FF2B5EF4-FFF2-40B4-BE49-F238E27FC236}">
-                <a16:creationId xmlns:a16="http://schemas.microsoft.com/office/drawing/2014/main" id="{ABFCE13C-5D6C-0367-9A9B-E297DA0BB3D5}"/>
-              </a:ext>
-            </a:extLst>
-          </p:cNvPr>
-          <p:cNvSpPr/>
-          <p:nvPr/>
-        </p:nvSpPr>
-        <p:spPr>
-          <a:xfrm>
-            <a:off x="6858252" y="1256230"/>
-            <a:ext cx="704850" cy="2877621"/>
-          </a:xfrm>
-          <a:prstGeom prst="roundRect">
-            <a:avLst/>
-          </a:prstGeom>
-          <a:noFill/>
-          <a:ln>
-            <a:solidFill>
-              <a:srgbClr val="FF0000"/>
+            <a:solidFill>
+              <a:srgbClr val="00B050"/>
             </a:solidFill>
           </a:ln>
         </p:spPr>
@@ -8207,6 +8144,58 @@
           <a:lstStyle/>
           <a:p>
             <a:pPr algn="ctr"/>
+            <a:endParaRPr lang="en-GB"/>
+          </a:p>
+        </p:txBody>
+      </p:sp>
+      <p:sp>
+        <p:nvSpPr>
+          <p:cNvPr id="153" name="Téglalap: lekerekített 152">
+            <a:extLst>
+              <a:ext uri="{FF2B5EF4-FFF2-40B4-BE49-F238E27FC236}">
+                <a16:creationId xmlns:a16="http://schemas.microsoft.com/office/drawing/2014/main" id="{ABFCE13C-5D6C-0367-9A9B-E297DA0BB3D5}"/>
+              </a:ext>
+            </a:extLst>
+          </p:cNvPr>
+          <p:cNvSpPr/>
+          <p:nvPr/>
+        </p:nvSpPr>
+        <p:spPr>
+          <a:xfrm>
+            <a:off x="8814052" y="1990189"/>
+            <a:ext cx="704850" cy="2877621"/>
+          </a:xfrm>
+          <a:prstGeom prst="roundRect">
+            <a:avLst/>
+          </a:prstGeom>
+          <a:noFill/>
+          <a:ln>
+            <a:solidFill>
+              <a:srgbClr val="FF0000"/>
+            </a:solidFill>
+          </a:ln>
+        </p:spPr>
+        <p:style>
+          <a:lnRef idx="2">
+            <a:schemeClr val="accent1">
+              <a:shade val="15000"/>
+            </a:schemeClr>
+          </a:lnRef>
+          <a:fillRef idx="1">
+            <a:schemeClr val="accent1"/>
+          </a:fillRef>
+          <a:effectRef idx="0">
+            <a:schemeClr val="accent1"/>
+          </a:effectRef>
+          <a:fontRef idx="minor">
+            <a:schemeClr val="lt1"/>
+          </a:fontRef>
+        </p:style>
+        <p:txBody>
+          <a:bodyPr rtlCol="0" anchor="ctr"/>
+          <a:lstStyle/>
+          <a:p>
+            <a:pPr algn="ctr"/>
             <a:endParaRPr lang="en-GB" dirty="0"/>
           </a:p>
         </p:txBody>
@@ -8225,7 +8214,7 @@
         </p:nvSpPr>
         <p:spPr>
           <a:xfrm>
-            <a:off x="6884868" y="2342616"/>
+            <a:off x="8840668" y="3076575"/>
             <a:ext cx="651617" cy="651617"/>
           </a:xfrm>
           <a:prstGeom prst="ellipse">
@@ -8283,7 +8272,7 @@
         </p:nvCxnSpPr>
         <p:spPr>
           <a:xfrm flipV="1">
-            <a:off x="1738671" y="1644514"/>
+            <a:off x="3694471" y="2378473"/>
             <a:ext cx="779760" cy="1023911"/>
           </a:xfrm>
           <a:prstGeom prst="straightConnector1">
@@ -8327,8 +8316,8 @@
         </p:nvCxnSpPr>
         <p:spPr>
           <a:xfrm>
-            <a:off x="1699237" y="2683379"/>
-            <a:ext cx="825998" cy="1071430"/>
+            <a:off x="3700586" y="3394732"/>
+            <a:ext cx="780449" cy="1094036"/>
           </a:xfrm>
           <a:prstGeom prst="straightConnector1">
             <a:avLst/>
@@ -8371,7 +8360,7 @@
         </p:nvCxnSpPr>
         <p:spPr>
           <a:xfrm flipV="1">
-            <a:off x="1734562" y="2357571"/>
+            <a:off x="3690362" y="3091530"/>
             <a:ext cx="799382" cy="307885"/>
           </a:xfrm>
           <a:prstGeom prst="straightConnector1">
@@ -8416,7 +8405,7 @@
         </p:nvCxnSpPr>
         <p:spPr>
           <a:xfrm>
-            <a:off x="1738671" y="2668425"/>
+            <a:off x="3694471" y="3402384"/>
             <a:ext cx="839306" cy="434766"/>
           </a:xfrm>
           <a:prstGeom prst="straightConnector1">
@@ -8460,7 +8449,7 @@
         </p:nvCxnSpPr>
         <p:spPr>
           <a:xfrm>
-            <a:off x="3202065" y="1658952"/>
+            <a:off x="5157865" y="2392911"/>
             <a:ext cx="760373" cy="698619"/>
           </a:xfrm>
           <a:prstGeom prst="straightConnector1">
@@ -8505,7 +8494,7 @@
         </p:nvCxnSpPr>
         <p:spPr>
           <a:xfrm>
-            <a:off x="3170048" y="1644514"/>
+            <a:off x="5125848" y="2378473"/>
             <a:ext cx="786073" cy="1467742"/>
           </a:xfrm>
           <a:prstGeom prst="straightConnector1">
@@ -8549,7 +8538,7 @@
         </p:nvCxnSpPr>
         <p:spPr>
           <a:xfrm>
-            <a:off x="3209095" y="1672779"/>
+            <a:off x="5164895" y="2406738"/>
             <a:ext cx="753343" cy="2082030"/>
           </a:xfrm>
           <a:prstGeom prst="straightConnector1">
@@ -8593,7 +8582,7 @@
         </p:nvCxnSpPr>
         <p:spPr>
           <a:xfrm flipV="1">
-            <a:off x="3222208" y="1635449"/>
+            <a:off x="5178008" y="2369408"/>
             <a:ext cx="740231" cy="722120"/>
           </a:xfrm>
           <a:prstGeom prst="straightConnector1">
@@ -8637,7 +8626,7 @@
         </p:nvCxnSpPr>
         <p:spPr>
           <a:xfrm>
-            <a:off x="3195590" y="2357569"/>
+            <a:off x="5151390" y="3091528"/>
             <a:ext cx="766848" cy="2"/>
           </a:xfrm>
           <a:prstGeom prst="straightConnector1">
@@ -8681,7 +8670,7 @@
         </p:nvCxnSpPr>
         <p:spPr>
           <a:xfrm>
-            <a:off x="3222208" y="2357568"/>
+            <a:off x="5178008" y="3091527"/>
             <a:ext cx="793460" cy="722120"/>
           </a:xfrm>
           <a:prstGeom prst="straightConnector1">
@@ -8725,7 +8714,7 @@
         </p:nvCxnSpPr>
         <p:spPr>
           <a:xfrm>
-            <a:off x="3236265" y="2350652"/>
+            <a:off x="5192065" y="3084611"/>
             <a:ext cx="726173" cy="1404157"/>
           </a:xfrm>
           <a:prstGeom prst="straightConnector1">
@@ -8769,7 +8758,7 @@
         </p:nvCxnSpPr>
         <p:spPr>
           <a:xfrm>
-            <a:off x="3151282" y="3103190"/>
+            <a:off x="5107082" y="3837149"/>
             <a:ext cx="864386" cy="6917"/>
           </a:xfrm>
           <a:prstGeom prst="straightConnector1">
@@ -8813,7 +8802,7 @@
         </p:nvCxnSpPr>
         <p:spPr>
           <a:xfrm>
-            <a:off x="3204885" y="3744805"/>
+            <a:off x="5160685" y="4478764"/>
             <a:ext cx="766848" cy="2"/>
           </a:xfrm>
           <a:prstGeom prst="straightConnector1">
@@ -8857,7 +8846,7 @@
         </p:nvCxnSpPr>
         <p:spPr>
           <a:xfrm flipV="1">
-            <a:off x="3156598" y="2357571"/>
+            <a:off x="5112398" y="3091530"/>
             <a:ext cx="805840" cy="745619"/>
           </a:xfrm>
           <a:prstGeom prst="straightConnector1">
@@ -8901,7 +8890,7 @@
         </p:nvCxnSpPr>
         <p:spPr>
           <a:xfrm flipV="1">
-            <a:off x="3165893" y="1635449"/>
+            <a:off x="5121693" y="2369408"/>
             <a:ext cx="796546" cy="1457741"/>
           </a:xfrm>
           <a:prstGeom prst="straightConnector1">
@@ -8945,7 +8934,7 @@
         </p:nvCxnSpPr>
         <p:spPr>
           <a:xfrm>
-            <a:off x="3167356" y="3094027"/>
+            <a:off x="5123156" y="3827986"/>
             <a:ext cx="795082" cy="660782"/>
           </a:xfrm>
           <a:prstGeom prst="straightConnector1">
@@ -8989,7 +8978,7 @@
         </p:nvCxnSpPr>
         <p:spPr>
           <a:xfrm flipV="1">
-            <a:off x="3218390" y="3079688"/>
+            <a:off x="5174190" y="3813647"/>
             <a:ext cx="795082" cy="658716"/>
           </a:xfrm>
           <a:prstGeom prst="straightConnector1">
@@ -9033,7 +9022,7 @@
         </p:nvCxnSpPr>
         <p:spPr>
           <a:xfrm flipV="1">
-            <a:off x="3222053" y="2357571"/>
+            <a:off x="5177853" y="3091530"/>
             <a:ext cx="740385" cy="1390783"/>
           </a:xfrm>
           <a:prstGeom prst="straightConnector1">
@@ -9077,7 +9066,7 @@
         </p:nvCxnSpPr>
         <p:spPr>
           <a:xfrm flipV="1">
-            <a:off x="3222052" y="1635449"/>
+            <a:off x="5177852" y="2369408"/>
             <a:ext cx="740387" cy="2108937"/>
           </a:xfrm>
           <a:prstGeom prst="straightConnector1">
@@ -9119,7 +9108,7 @@
         </p:nvSpPr>
         <p:spPr>
           <a:xfrm>
-            <a:off x="5407845" y="1256231"/>
+            <a:off x="7363645" y="1990190"/>
             <a:ext cx="704850" cy="2877620"/>
           </a:xfrm>
           <a:prstGeom prst="roundRect">
@@ -9157,12 +9146,896 @@
           </a:p>
         </p:txBody>
       </p:sp>
-      <p:sp>
-        <p:nvSpPr>
-          <p:cNvPr id="175" name="Szövegdoboz 174">
-            <a:extLst>
-              <a:ext uri="{FF2B5EF4-FFF2-40B4-BE49-F238E27FC236}">
-                <a16:creationId xmlns:a16="http://schemas.microsoft.com/office/drawing/2014/main" id="{97AACF5E-A5F7-69FC-7907-B011480A6548}"/>
+      <p:cxnSp>
+        <p:nvCxnSpPr>
+          <p:cNvPr id="194" name="Egyenes összekötő nyíllal 193">
+            <a:extLst>
+              <a:ext uri="{FF2B5EF4-FFF2-40B4-BE49-F238E27FC236}">
+                <a16:creationId xmlns:a16="http://schemas.microsoft.com/office/drawing/2014/main" id="{B3DBB400-AEB5-E058-5DE7-D10CC309BFF8}"/>
+              </a:ext>
+            </a:extLst>
+          </p:cNvPr>
+          <p:cNvCxnSpPr>
+            <a:cxnSpLocks/>
+          </p:cNvCxnSpPr>
+          <p:nvPr/>
+        </p:nvCxnSpPr>
+        <p:spPr>
+          <a:xfrm>
+            <a:off x="6588282" y="2363005"/>
+            <a:ext cx="759459" cy="0"/>
+          </a:xfrm>
+          <a:prstGeom prst="straightConnector1">
+            <a:avLst/>
+          </a:prstGeom>
+          <a:ln>
+            <a:solidFill>
+              <a:schemeClr val="tx1"/>
+            </a:solidFill>
+            <a:tailEnd type="triangle"/>
+          </a:ln>
+        </p:spPr>
+        <p:style>
+          <a:lnRef idx="1">
+            <a:schemeClr val="accent1"/>
+          </a:lnRef>
+          <a:fillRef idx="0">
+            <a:schemeClr val="accent1"/>
+          </a:fillRef>
+          <a:effectRef idx="0">
+            <a:schemeClr val="accent1"/>
+          </a:effectRef>
+          <a:fontRef idx="minor">
+            <a:schemeClr val="tx1"/>
+          </a:fontRef>
+        </p:style>
+      </p:cxnSp>
+      <p:cxnSp>
+        <p:nvCxnSpPr>
+          <p:cNvPr id="195" name="Egyenes összekötő nyíllal 194">
+            <a:extLst>
+              <a:ext uri="{FF2B5EF4-FFF2-40B4-BE49-F238E27FC236}">
+                <a16:creationId xmlns:a16="http://schemas.microsoft.com/office/drawing/2014/main" id="{F9070A3B-C8BB-0762-53A4-5FA85A6D3E10}"/>
+              </a:ext>
+            </a:extLst>
+          </p:cNvPr>
+          <p:cNvCxnSpPr>
+            <a:cxnSpLocks/>
+          </p:cNvCxnSpPr>
+          <p:nvPr/>
+        </p:nvCxnSpPr>
+        <p:spPr>
+          <a:xfrm>
+            <a:off x="6587367" y="2386508"/>
+            <a:ext cx="760373" cy="698619"/>
+          </a:xfrm>
+          <a:prstGeom prst="straightConnector1">
+            <a:avLst/>
+          </a:prstGeom>
+          <a:ln>
+            <a:solidFill>
+              <a:schemeClr val="tx1"/>
+            </a:solidFill>
+            <a:tailEnd type="triangle"/>
+          </a:ln>
+        </p:spPr>
+        <p:style>
+          <a:lnRef idx="1">
+            <a:schemeClr val="accent1"/>
+          </a:lnRef>
+          <a:fillRef idx="0">
+            <a:schemeClr val="accent1"/>
+          </a:fillRef>
+          <a:effectRef idx="0">
+            <a:schemeClr val="accent1"/>
+          </a:effectRef>
+          <a:fontRef idx="minor">
+            <a:schemeClr val="tx1"/>
+          </a:fontRef>
+        </p:style>
+      </p:cxnSp>
+      <p:cxnSp>
+        <p:nvCxnSpPr>
+          <p:cNvPr id="196" name="Egyenes összekötő nyíllal 195">
+            <a:extLst>
+              <a:ext uri="{FF2B5EF4-FFF2-40B4-BE49-F238E27FC236}">
+                <a16:creationId xmlns:a16="http://schemas.microsoft.com/office/drawing/2014/main" id="{C5BD9A36-1358-5613-A78B-17AD5CA31209}"/>
+              </a:ext>
+            </a:extLst>
+          </p:cNvPr>
+          <p:cNvCxnSpPr>
+            <a:cxnSpLocks/>
+          </p:cNvCxnSpPr>
+          <p:nvPr/>
+        </p:nvCxnSpPr>
+        <p:spPr>
+          <a:xfrm>
+            <a:off x="6588282" y="2363005"/>
+            <a:ext cx="786073" cy="1467742"/>
+          </a:xfrm>
+          <a:prstGeom prst="straightConnector1">
+            <a:avLst/>
+          </a:prstGeom>
+          <a:ln>
+            <a:solidFill>
+              <a:schemeClr val="tx1"/>
+            </a:solidFill>
+            <a:tailEnd type="triangle"/>
+          </a:ln>
+        </p:spPr>
+        <p:style>
+          <a:lnRef idx="1">
+            <a:schemeClr val="accent1"/>
+          </a:lnRef>
+          <a:fillRef idx="0">
+            <a:schemeClr val="accent1"/>
+          </a:fillRef>
+          <a:effectRef idx="0">
+            <a:schemeClr val="accent1"/>
+          </a:effectRef>
+          <a:fontRef idx="minor">
+            <a:schemeClr val="tx1"/>
+          </a:fontRef>
+        </p:style>
+      </p:cxnSp>
+      <p:cxnSp>
+        <p:nvCxnSpPr>
+          <p:cNvPr id="197" name="Egyenes összekötő nyíllal 196">
+            <a:extLst>
+              <a:ext uri="{FF2B5EF4-FFF2-40B4-BE49-F238E27FC236}">
+                <a16:creationId xmlns:a16="http://schemas.microsoft.com/office/drawing/2014/main" id="{9C9C272E-EC71-0851-7CA6-C11FDA8AFC13}"/>
+              </a:ext>
+            </a:extLst>
+          </p:cNvPr>
+          <p:cNvCxnSpPr>
+            <a:cxnSpLocks/>
+          </p:cNvCxnSpPr>
+          <p:nvPr/>
+        </p:nvCxnSpPr>
+        <p:spPr>
+          <a:xfrm>
+            <a:off x="6594397" y="2400335"/>
+            <a:ext cx="753343" cy="2082030"/>
+          </a:xfrm>
+          <a:prstGeom prst="straightConnector1">
+            <a:avLst/>
+          </a:prstGeom>
+          <a:ln>
+            <a:solidFill>
+              <a:schemeClr val="tx1"/>
+            </a:solidFill>
+            <a:tailEnd type="triangle"/>
+          </a:ln>
+        </p:spPr>
+        <p:style>
+          <a:lnRef idx="1">
+            <a:schemeClr val="accent1"/>
+          </a:lnRef>
+          <a:fillRef idx="0">
+            <a:schemeClr val="accent1"/>
+          </a:fillRef>
+          <a:effectRef idx="0">
+            <a:schemeClr val="accent1"/>
+          </a:effectRef>
+          <a:fontRef idx="minor">
+            <a:schemeClr val="tx1"/>
+          </a:fontRef>
+        </p:style>
+      </p:cxnSp>
+      <p:cxnSp>
+        <p:nvCxnSpPr>
+          <p:cNvPr id="198" name="Egyenes összekötő nyíllal 197">
+            <a:extLst>
+              <a:ext uri="{FF2B5EF4-FFF2-40B4-BE49-F238E27FC236}">
+                <a16:creationId xmlns:a16="http://schemas.microsoft.com/office/drawing/2014/main" id="{4647D766-610E-B3A2-ABB8-0FDD7D867969}"/>
+              </a:ext>
+            </a:extLst>
+          </p:cNvPr>
+          <p:cNvCxnSpPr>
+            <a:cxnSpLocks/>
+          </p:cNvCxnSpPr>
+          <p:nvPr/>
+        </p:nvCxnSpPr>
+        <p:spPr>
+          <a:xfrm flipV="1">
+            <a:off x="6607510" y="2363005"/>
+            <a:ext cx="740231" cy="722120"/>
+          </a:xfrm>
+          <a:prstGeom prst="straightConnector1">
+            <a:avLst/>
+          </a:prstGeom>
+          <a:ln>
+            <a:solidFill>
+              <a:schemeClr val="tx1"/>
+            </a:solidFill>
+            <a:tailEnd type="triangle"/>
+          </a:ln>
+        </p:spPr>
+        <p:style>
+          <a:lnRef idx="1">
+            <a:schemeClr val="accent1"/>
+          </a:lnRef>
+          <a:fillRef idx="0">
+            <a:schemeClr val="accent1"/>
+          </a:fillRef>
+          <a:effectRef idx="0">
+            <a:schemeClr val="accent1"/>
+          </a:effectRef>
+          <a:fontRef idx="minor">
+            <a:schemeClr val="tx1"/>
+          </a:fontRef>
+        </p:style>
+      </p:cxnSp>
+      <p:cxnSp>
+        <p:nvCxnSpPr>
+          <p:cNvPr id="199" name="Egyenes összekötő nyíllal 198">
+            <a:extLst>
+              <a:ext uri="{FF2B5EF4-FFF2-40B4-BE49-F238E27FC236}">
+                <a16:creationId xmlns:a16="http://schemas.microsoft.com/office/drawing/2014/main" id="{4DA04672-7877-BD58-A588-D380051E34E9}"/>
+              </a:ext>
+            </a:extLst>
+          </p:cNvPr>
+          <p:cNvCxnSpPr>
+            <a:cxnSpLocks/>
+          </p:cNvCxnSpPr>
+          <p:nvPr/>
+        </p:nvCxnSpPr>
+        <p:spPr>
+          <a:xfrm>
+            <a:off x="6580892" y="3085125"/>
+            <a:ext cx="766848" cy="2"/>
+          </a:xfrm>
+          <a:prstGeom prst="straightConnector1">
+            <a:avLst/>
+          </a:prstGeom>
+          <a:ln>
+            <a:solidFill>
+              <a:schemeClr val="tx1"/>
+            </a:solidFill>
+            <a:tailEnd type="triangle"/>
+          </a:ln>
+        </p:spPr>
+        <p:style>
+          <a:lnRef idx="1">
+            <a:schemeClr val="accent1"/>
+          </a:lnRef>
+          <a:fillRef idx="0">
+            <a:schemeClr val="accent1"/>
+          </a:fillRef>
+          <a:effectRef idx="0">
+            <a:schemeClr val="accent1"/>
+          </a:effectRef>
+          <a:fontRef idx="minor">
+            <a:schemeClr val="tx1"/>
+          </a:fontRef>
+        </p:style>
+      </p:cxnSp>
+      <p:cxnSp>
+        <p:nvCxnSpPr>
+          <p:cNvPr id="200" name="Egyenes összekötő nyíllal 199">
+            <a:extLst>
+              <a:ext uri="{FF2B5EF4-FFF2-40B4-BE49-F238E27FC236}">
+                <a16:creationId xmlns:a16="http://schemas.microsoft.com/office/drawing/2014/main" id="{74436B26-53A1-8065-6F73-B5A35563E882}"/>
+              </a:ext>
+            </a:extLst>
+          </p:cNvPr>
+          <p:cNvCxnSpPr>
+            <a:cxnSpLocks/>
+          </p:cNvCxnSpPr>
+          <p:nvPr/>
+        </p:nvCxnSpPr>
+        <p:spPr>
+          <a:xfrm>
+            <a:off x="6607510" y="3085124"/>
+            <a:ext cx="793460" cy="722120"/>
+          </a:xfrm>
+          <a:prstGeom prst="straightConnector1">
+            <a:avLst/>
+          </a:prstGeom>
+          <a:ln>
+            <a:solidFill>
+              <a:schemeClr val="tx1"/>
+            </a:solidFill>
+            <a:tailEnd type="triangle"/>
+          </a:ln>
+        </p:spPr>
+        <p:style>
+          <a:lnRef idx="1">
+            <a:schemeClr val="accent1"/>
+          </a:lnRef>
+          <a:fillRef idx="0">
+            <a:schemeClr val="accent1"/>
+          </a:fillRef>
+          <a:effectRef idx="0">
+            <a:schemeClr val="accent1"/>
+          </a:effectRef>
+          <a:fontRef idx="minor">
+            <a:schemeClr val="tx1"/>
+          </a:fontRef>
+        </p:style>
+      </p:cxnSp>
+      <p:cxnSp>
+        <p:nvCxnSpPr>
+          <p:cNvPr id="201" name="Egyenes összekötő nyíllal 200">
+            <a:extLst>
+              <a:ext uri="{FF2B5EF4-FFF2-40B4-BE49-F238E27FC236}">
+                <a16:creationId xmlns:a16="http://schemas.microsoft.com/office/drawing/2014/main" id="{130D6372-5996-FACC-3A81-E63EC874040A}"/>
+              </a:ext>
+            </a:extLst>
+          </p:cNvPr>
+          <p:cNvCxnSpPr>
+            <a:cxnSpLocks/>
+          </p:cNvCxnSpPr>
+          <p:nvPr/>
+        </p:nvCxnSpPr>
+        <p:spPr>
+          <a:xfrm>
+            <a:off x="6596541" y="3091527"/>
+            <a:ext cx="751199" cy="1390838"/>
+          </a:xfrm>
+          <a:prstGeom prst="straightConnector1">
+            <a:avLst/>
+          </a:prstGeom>
+          <a:ln>
+            <a:solidFill>
+              <a:schemeClr val="tx1"/>
+            </a:solidFill>
+            <a:tailEnd type="triangle"/>
+          </a:ln>
+        </p:spPr>
+        <p:style>
+          <a:lnRef idx="1">
+            <a:schemeClr val="accent1"/>
+          </a:lnRef>
+          <a:fillRef idx="0">
+            <a:schemeClr val="accent1"/>
+          </a:fillRef>
+          <a:effectRef idx="0">
+            <a:schemeClr val="accent1"/>
+          </a:effectRef>
+          <a:fontRef idx="minor">
+            <a:schemeClr val="tx1"/>
+          </a:fontRef>
+        </p:style>
+      </p:cxnSp>
+      <p:cxnSp>
+        <p:nvCxnSpPr>
+          <p:cNvPr id="202" name="Egyenes összekötő nyíllal 201">
+            <a:extLst>
+              <a:ext uri="{FF2B5EF4-FFF2-40B4-BE49-F238E27FC236}">
+                <a16:creationId xmlns:a16="http://schemas.microsoft.com/office/drawing/2014/main" id="{AAFDEB79-F24F-0007-C62B-44BB0C546328}"/>
+              </a:ext>
+            </a:extLst>
+          </p:cNvPr>
+          <p:cNvCxnSpPr>
+            <a:cxnSpLocks/>
+          </p:cNvCxnSpPr>
+          <p:nvPr/>
+        </p:nvCxnSpPr>
+        <p:spPr>
+          <a:xfrm>
+            <a:off x="6536584" y="3830746"/>
+            <a:ext cx="864386" cy="6917"/>
+          </a:xfrm>
+          <a:prstGeom prst="straightConnector1">
+            <a:avLst/>
+          </a:prstGeom>
+          <a:ln>
+            <a:solidFill>
+              <a:schemeClr val="tx1"/>
+            </a:solidFill>
+            <a:tailEnd type="triangle"/>
+          </a:ln>
+        </p:spPr>
+        <p:style>
+          <a:lnRef idx="1">
+            <a:schemeClr val="accent1"/>
+          </a:lnRef>
+          <a:fillRef idx="0">
+            <a:schemeClr val="accent1"/>
+          </a:fillRef>
+          <a:effectRef idx="0">
+            <a:schemeClr val="accent1"/>
+          </a:effectRef>
+          <a:fontRef idx="minor">
+            <a:schemeClr val="tx1"/>
+          </a:fontRef>
+        </p:style>
+      </p:cxnSp>
+      <p:cxnSp>
+        <p:nvCxnSpPr>
+          <p:cNvPr id="203" name="Egyenes összekötő nyíllal 202">
+            <a:extLst>
+              <a:ext uri="{FF2B5EF4-FFF2-40B4-BE49-F238E27FC236}">
+                <a16:creationId xmlns:a16="http://schemas.microsoft.com/office/drawing/2014/main" id="{3E2366AA-8560-7A47-A989-D2D399F6990B}"/>
+              </a:ext>
+            </a:extLst>
+          </p:cNvPr>
+          <p:cNvCxnSpPr>
+            <a:cxnSpLocks/>
+          </p:cNvCxnSpPr>
+          <p:nvPr/>
+        </p:nvCxnSpPr>
+        <p:spPr>
+          <a:xfrm>
+            <a:off x="6590187" y="4472361"/>
+            <a:ext cx="766848" cy="2"/>
+          </a:xfrm>
+          <a:prstGeom prst="straightConnector1">
+            <a:avLst/>
+          </a:prstGeom>
+          <a:ln>
+            <a:solidFill>
+              <a:schemeClr val="tx1"/>
+            </a:solidFill>
+            <a:tailEnd type="triangle"/>
+          </a:ln>
+        </p:spPr>
+        <p:style>
+          <a:lnRef idx="1">
+            <a:schemeClr val="accent1"/>
+          </a:lnRef>
+          <a:fillRef idx="0">
+            <a:schemeClr val="accent1"/>
+          </a:fillRef>
+          <a:effectRef idx="0">
+            <a:schemeClr val="accent1"/>
+          </a:effectRef>
+          <a:fontRef idx="minor">
+            <a:schemeClr val="tx1"/>
+          </a:fontRef>
+        </p:style>
+      </p:cxnSp>
+      <p:cxnSp>
+        <p:nvCxnSpPr>
+          <p:cNvPr id="204" name="Egyenes összekötő nyíllal 203">
+            <a:extLst>
+              <a:ext uri="{FF2B5EF4-FFF2-40B4-BE49-F238E27FC236}">
+                <a16:creationId xmlns:a16="http://schemas.microsoft.com/office/drawing/2014/main" id="{C67F4446-612F-B97D-EF8D-EB13E03C5423}"/>
+              </a:ext>
+            </a:extLst>
+          </p:cNvPr>
+          <p:cNvCxnSpPr>
+            <a:cxnSpLocks/>
+          </p:cNvCxnSpPr>
+          <p:nvPr/>
+        </p:nvCxnSpPr>
+        <p:spPr>
+          <a:xfrm flipV="1">
+            <a:off x="6541900" y="3085127"/>
+            <a:ext cx="805840" cy="745619"/>
+          </a:xfrm>
+          <a:prstGeom prst="straightConnector1">
+            <a:avLst/>
+          </a:prstGeom>
+          <a:ln>
+            <a:solidFill>
+              <a:schemeClr val="tx1"/>
+            </a:solidFill>
+            <a:tailEnd type="triangle"/>
+          </a:ln>
+        </p:spPr>
+        <p:style>
+          <a:lnRef idx="1">
+            <a:schemeClr val="accent1"/>
+          </a:lnRef>
+          <a:fillRef idx="0">
+            <a:schemeClr val="accent1"/>
+          </a:fillRef>
+          <a:effectRef idx="0">
+            <a:schemeClr val="accent1"/>
+          </a:effectRef>
+          <a:fontRef idx="minor">
+            <a:schemeClr val="tx1"/>
+          </a:fontRef>
+        </p:style>
+      </p:cxnSp>
+      <p:cxnSp>
+        <p:nvCxnSpPr>
+          <p:cNvPr id="205" name="Egyenes összekötő nyíllal 204">
+            <a:extLst>
+              <a:ext uri="{FF2B5EF4-FFF2-40B4-BE49-F238E27FC236}">
+                <a16:creationId xmlns:a16="http://schemas.microsoft.com/office/drawing/2014/main" id="{A5BBA0B5-2052-126D-C112-5CBC66257D9B}"/>
+              </a:ext>
+            </a:extLst>
+          </p:cNvPr>
+          <p:cNvCxnSpPr>
+            <a:cxnSpLocks/>
+          </p:cNvCxnSpPr>
+          <p:nvPr/>
+        </p:nvCxnSpPr>
+        <p:spPr>
+          <a:xfrm flipV="1">
+            <a:off x="6551195" y="2363005"/>
+            <a:ext cx="796546" cy="1457741"/>
+          </a:xfrm>
+          <a:prstGeom prst="straightConnector1">
+            <a:avLst/>
+          </a:prstGeom>
+          <a:ln>
+            <a:solidFill>
+              <a:schemeClr val="tx1"/>
+            </a:solidFill>
+            <a:tailEnd type="triangle"/>
+          </a:ln>
+        </p:spPr>
+        <p:style>
+          <a:lnRef idx="1">
+            <a:schemeClr val="accent1"/>
+          </a:lnRef>
+          <a:fillRef idx="0">
+            <a:schemeClr val="accent1"/>
+          </a:fillRef>
+          <a:effectRef idx="0">
+            <a:schemeClr val="accent1"/>
+          </a:effectRef>
+          <a:fontRef idx="minor">
+            <a:schemeClr val="tx1"/>
+          </a:fontRef>
+        </p:style>
+      </p:cxnSp>
+      <p:cxnSp>
+        <p:nvCxnSpPr>
+          <p:cNvPr id="206" name="Egyenes összekötő nyíllal 205">
+            <a:extLst>
+              <a:ext uri="{FF2B5EF4-FFF2-40B4-BE49-F238E27FC236}">
+                <a16:creationId xmlns:a16="http://schemas.microsoft.com/office/drawing/2014/main" id="{37180F98-CC9C-410F-55CB-9FA01BADEA2E}"/>
+              </a:ext>
+            </a:extLst>
+          </p:cNvPr>
+          <p:cNvCxnSpPr>
+            <a:cxnSpLocks/>
+          </p:cNvCxnSpPr>
+          <p:nvPr/>
+        </p:nvCxnSpPr>
+        <p:spPr>
+          <a:xfrm>
+            <a:off x="6552658" y="3821583"/>
+            <a:ext cx="795082" cy="660782"/>
+          </a:xfrm>
+          <a:prstGeom prst="straightConnector1">
+            <a:avLst/>
+          </a:prstGeom>
+          <a:ln>
+            <a:solidFill>
+              <a:schemeClr val="tx1"/>
+            </a:solidFill>
+            <a:tailEnd type="triangle"/>
+          </a:ln>
+        </p:spPr>
+        <p:style>
+          <a:lnRef idx="1">
+            <a:schemeClr val="accent1"/>
+          </a:lnRef>
+          <a:fillRef idx="0">
+            <a:schemeClr val="accent1"/>
+          </a:fillRef>
+          <a:effectRef idx="0">
+            <a:schemeClr val="accent1"/>
+          </a:effectRef>
+          <a:fontRef idx="minor">
+            <a:schemeClr val="tx1"/>
+          </a:fontRef>
+        </p:style>
+      </p:cxnSp>
+      <p:cxnSp>
+        <p:nvCxnSpPr>
+          <p:cNvPr id="207" name="Egyenes összekötő nyíllal 206">
+            <a:extLst>
+              <a:ext uri="{FF2B5EF4-FFF2-40B4-BE49-F238E27FC236}">
+                <a16:creationId xmlns:a16="http://schemas.microsoft.com/office/drawing/2014/main" id="{DDE44355-0A6D-D750-FE4A-409BB26F4F4B}"/>
+              </a:ext>
+            </a:extLst>
+          </p:cNvPr>
+          <p:cNvCxnSpPr>
+            <a:cxnSpLocks/>
+          </p:cNvCxnSpPr>
+          <p:nvPr/>
+        </p:nvCxnSpPr>
+        <p:spPr>
+          <a:xfrm flipV="1">
+            <a:off x="6603692" y="3807244"/>
+            <a:ext cx="795082" cy="658716"/>
+          </a:xfrm>
+          <a:prstGeom prst="straightConnector1">
+            <a:avLst/>
+          </a:prstGeom>
+          <a:ln>
+            <a:solidFill>
+              <a:schemeClr val="tx1"/>
+            </a:solidFill>
+            <a:tailEnd type="triangle"/>
+          </a:ln>
+        </p:spPr>
+        <p:style>
+          <a:lnRef idx="1">
+            <a:schemeClr val="accent1"/>
+          </a:lnRef>
+          <a:fillRef idx="0">
+            <a:schemeClr val="accent1"/>
+          </a:fillRef>
+          <a:effectRef idx="0">
+            <a:schemeClr val="accent1"/>
+          </a:effectRef>
+          <a:fontRef idx="minor">
+            <a:schemeClr val="tx1"/>
+          </a:fontRef>
+        </p:style>
+      </p:cxnSp>
+      <p:cxnSp>
+        <p:nvCxnSpPr>
+          <p:cNvPr id="208" name="Egyenes összekötő nyíllal 207">
+            <a:extLst>
+              <a:ext uri="{FF2B5EF4-FFF2-40B4-BE49-F238E27FC236}">
+                <a16:creationId xmlns:a16="http://schemas.microsoft.com/office/drawing/2014/main" id="{F499396B-BE6A-CA02-8C4B-0CA1883FABC8}"/>
+              </a:ext>
+            </a:extLst>
+          </p:cNvPr>
+          <p:cNvCxnSpPr>
+            <a:cxnSpLocks/>
+          </p:cNvCxnSpPr>
+          <p:nvPr/>
+        </p:nvCxnSpPr>
+        <p:spPr>
+          <a:xfrm flipV="1">
+            <a:off x="6607355" y="3085127"/>
+            <a:ext cx="740385" cy="1390783"/>
+          </a:xfrm>
+          <a:prstGeom prst="straightConnector1">
+            <a:avLst/>
+          </a:prstGeom>
+          <a:ln>
+            <a:solidFill>
+              <a:schemeClr val="tx1"/>
+            </a:solidFill>
+            <a:tailEnd type="triangle"/>
+          </a:ln>
+        </p:spPr>
+        <p:style>
+          <a:lnRef idx="1">
+            <a:schemeClr val="accent1"/>
+          </a:lnRef>
+          <a:fillRef idx="0">
+            <a:schemeClr val="accent1"/>
+          </a:fillRef>
+          <a:effectRef idx="0">
+            <a:schemeClr val="accent1"/>
+          </a:effectRef>
+          <a:fontRef idx="minor">
+            <a:schemeClr val="tx1"/>
+          </a:fontRef>
+        </p:style>
+      </p:cxnSp>
+      <p:cxnSp>
+        <p:nvCxnSpPr>
+          <p:cNvPr id="209" name="Egyenes összekötő nyíllal 208">
+            <a:extLst>
+              <a:ext uri="{FF2B5EF4-FFF2-40B4-BE49-F238E27FC236}">
+                <a16:creationId xmlns:a16="http://schemas.microsoft.com/office/drawing/2014/main" id="{753DE94C-7AA4-DDC1-C91F-302382C0B915}"/>
+              </a:ext>
+            </a:extLst>
+          </p:cNvPr>
+          <p:cNvCxnSpPr>
+            <a:cxnSpLocks/>
+          </p:cNvCxnSpPr>
+          <p:nvPr/>
+        </p:nvCxnSpPr>
+        <p:spPr>
+          <a:xfrm flipV="1">
+            <a:off x="6607354" y="2363005"/>
+            <a:ext cx="740387" cy="2108937"/>
+          </a:xfrm>
+          <a:prstGeom prst="straightConnector1">
+            <a:avLst/>
+          </a:prstGeom>
+          <a:ln>
+            <a:solidFill>
+              <a:schemeClr val="tx1"/>
+            </a:solidFill>
+            <a:tailEnd type="triangle"/>
+          </a:ln>
+        </p:spPr>
+        <p:style>
+          <a:lnRef idx="1">
+            <a:schemeClr val="accent1"/>
+          </a:lnRef>
+          <a:fillRef idx="0">
+            <a:schemeClr val="accent1"/>
+          </a:fillRef>
+          <a:effectRef idx="0">
+            <a:schemeClr val="accent1"/>
+          </a:effectRef>
+          <a:fontRef idx="minor">
+            <a:schemeClr val="tx1"/>
+          </a:fontRef>
+        </p:style>
+      </p:cxnSp>
+      <p:cxnSp>
+        <p:nvCxnSpPr>
+          <p:cNvPr id="210" name="Egyenes összekötő nyíllal 209">
+            <a:extLst>
+              <a:ext uri="{FF2B5EF4-FFF2-40B4-BE49-F238E27FC236}">
+                <a16:creationId xmlns:a16="http://schemas.microsoft.com/office/drawing/2014/main" id="{6EB7E552-F525-E0C8-D893-2FF64447C3AB}"/>
+              </a:ext>
+            </a:extLst>
+          </p:cNvPr>
+          <p:cNvCxnSpPr>
+            <a:cxnSpLocks/>
+            <a:endCxn id="154" idx="2"/>
+          </p:cNvCxnSpPr>
+          <p:nvPr/>
+        </p:nvCxnSpPr>
+        <p:spPr>
+          <a:xfrm>
+            <a:off x="8081209" y="2363005"/>
+            <a:ext cx="759459" cy="1039379"/>
+          </a:xfrm>
+          <a:prstGeom prst="straightConnector1">
+            <a:avLst/>
+          </a:prstGeom>
+          <a:ln>
+            <a:solidFill>
+              <a:schemeClr val="tx1"/>
+            </a:solidFill>
+            <a:tailEnd type="triangle"/>
+          </a:ln>
+        </p:spPr>
+        <p:style>
+          <a:lnRef idx="1">
+            <a:schemeClr val="accent1"/>
+          </a:lnRef>
+          <a:fillRef idx="0">
+            <a:schemeClr val="accent1"/>
+          </a:fillRef>
+          <a:effectRef idx="0">
+            <a:schemeClr val="accent1"/>
+          </a:effectRef>
+          <a:fontRef idx="minor">
+            <a:schemeClr val="tx1"/>
+          </a:fontRef>
+        </p:style>
+      </p:cxnSp>
+      <p:cxnSp>
+        <p:nvCxnSpPr>
+          <p:cNvPr id="211" name="Egyenes összekötő nyíllal 210">
+            <a:extLst>
+              <a:ext uri="{FF2B5EF4-FFF2-40B4-BE49-F238E27FC236}">
+                <a16:creationId xmlns:a16="http://schemas.microsoft.com/office/drawing/2014/main" id="{ADC0980A-FC09-798D-09AF-22FC91547B55}"/>
+              </a:ext>
+            </a:extLst>
+          </p:cNvPr>
+          <p:cNvCxnSpPr>
+            <a:cxnSpLocks/>
+            <a:endCxn id="154" idx="2"/>
+          </p:cNvCxnSpPr>
+          <p:nvPr/>
+        </p:nvCxnSpPr>
+        <p:spPr>
+          <a:xfrm>
+            <a:off x="8081209" y="3076575"/>
+            <a:ext cx="759459" cy="325809"/>
+          </a:xfrm>
+          <a:prstGeom prst="straightConnector1">
+            <a:avLst/>
+          </a:prstGeom>
+          <a:ln>
+            <a:solidFill>
+              <a:schemeClr val="tx1"/>
+            </a:solidFill>
+            <a:tailEnd type="triangle"/>
+          </a:ln>
+        </p:spPr>
+        <p:style>
+          <a:lnRef idx="1">
+            <a:schemeClr val="accent1"/>
+          </a:lnRef>
+          <a:fillRef idx="0">
+            <a:schemeClr val="accent1"/>
+          </a:fillRef>
+          <a:effectRef idx="0">
+            <a:schemeClr val="accent1"/>
+          </a:effectRef>
+          <a:fontRef idx="minor">
+            <a:schemeClr val="tx1"/>
+          </a:fontRef>
+        </p:style>
+      </p:cxnSp>
+      <p:cxnSp>
+        <p:nvCxnSpPr>
+          <p:cNvPr id="212" name="Egyenes összekötő nyíllal 211">
+            <a:extLst>
+              <a:ext uri="{FF2B5EF4-FFF2-40B4-BE49-F238E27FC236}">
+                <a16:creationId xmlns:a16="http://schemas.microsoft.com/office/drawing/2014/main" id="{23307840-049F-27C5-1885-C6362CDF260E}"/>
+              </a:ext>
+            </a:extLst>
+          </p:cNvPr>
+          <p:cNvCxnSpPr>
+            <a:cxnSpLocks/>
+            <a:endCxn id="154" idx="2"/>
+          </p:cNvCxnSpPr>
+          <p:nvPr/>
+        </p:nvCxnSpPr>
+        <p:spPr>
+          <a:xfrm flipV="1">
+            <a:off x="8035688" y="3402384"/>
+            <a:ext cx="804980" cy="411263"/>
+          </a:xfrm>
+          <a:prstGeom prst="straightConnector1">
+            <a:avLst/>
+          </a:prstGeom>
+          <a:ln>
+            <a:solidFill>
+              <a:schemeClr val="tx1"/>
+            </a:solidFill>
+            <a:tailEnd type="triangle"/>
+          </a:ln>
+        </p:spPr>
+        <p:style>
+          <a:lnRef idx="1">
+            <a:schemeClr val="accent1"/>
+          </a:lnRef>
+          <a:fillRef idx="0">
+            <a:schemeClr val="accent1"/>
+          </a:fillRef>
+          <a:effectRef idx="0">
+            <a:schemeClr val="accent1"/>
+          </a:effectRef>
+          <a:fontRef idx="minor">
+            <a:schemeClr val="tx1"/>
+          </a:fontRef>
+        </p:style>
+      </p:cxnSp>
+      <p:cxnSp>
+        <p:nvCxnSpPr>
+          <p:cNvPr id="213" name="Egyenes összekötő nyíllal 212">
+            <a:extLst>
+              <a:ext uri="{FF2B5EF4-FFF2-40B4-BE49-F238E27FC236}">
+                <a16:creationId xmlns:a16="http://schemas.microsoft.com/office/drawing/2014/main" id="{38F69F1D-E101-3977-F7FB-9737125633D3}"/>
+              </a:ext>
+            </a:extLst>
+          </p:cNvPr>
+          <p:cNvCxnSpPr>
+            <a:cxnSpLocks/>
+            <a:endCxn id="154" idx="2"/>
+          </p:cNvCxnSpPr>
+          <p:nvPr/>
+        </p:nvCxnSpPr>
+        <p:spPr>
+          <a:xfrm flipV="1">
+            <a:off x="8062303" y="3402384"/>
+            <a:ext cx="778365" cy="1126278"/>
+          </a:xfrm>
+          <a:prstGeom prst="straightConnector1">
+            <a:avLst/>
+          </a:prstGeom>
+          <a:ln>
+            <a:solidFill>
+              <a:schemeClr val="tx1"/>
+            </a:solidFill>
+            <a:tailEnd type="triangle"/>
+          </a:ln>
+        </p:spPr>
+        <p:style>
+          <a:lnRef idx="1">
+            <a:schemeClr val="accent1"/>
+          </a:lnRef>
+          <a:fillRef idx="0">
+            <a:schemeClr val="accent1"/>
+          </a:fillRef>
+          <a:effectRef idx="0">
+            <a:schemeClr val="accent1"/>
+          </a:effectRef>
+          <a:fontRef idx="minor">
+            <a:schemeClr val="tx1"/>
+          </a:fontRef>
+        </p:style>
+      </p:cxnSp>
+      <p:sp>
+        <p:nvSpPr>
+          <p:cNvPr id="214" name="Szövegdoboz 213">
+            <a:extLst>
+              <a:ext uri="{FF2B5EF4-FFF2-40B4-BE49-F238E27FC236}">
+                <a16:creationId xmlns:a16="http://schemas.microsoft.com/office/drawing/2014/main" id="{E92057FB-A48F-1D1B-DF6C-22A71602D024}"/>
               </a:ext>
             </a:extLst>
           </p:cNvPr>
@@ -9171,16 +10044,13 @@
         </p:nvSpPr>
         <p:spPr>
           <a:xfrm>
-            <a:off x="5579770" y="2841179"/>
-            <a:ext cx="360996" cy="400110"/>
+            <a:off x="2794113" y="1698238"/>
+            <a:ext cx="1145891" cy="276999"/>
           </a:xfrm>
           <a:prstGeom prst="rect">
             <a:avLst/>
           </a:prstGeom>
           <a:noFill/>
-          <a:ln>
-            <a:noFill/>
-          </a:ln>
         </p:spPr>
         <p:txBody>
           <a:bodyPr wrap="none" rtlCol="0">
@@ -9189,902 +10059,27 @@
           <a:lstStyle/>
           <a:p>
             <a:r>
-              <a:rPr lang="en-GB" sz="2000" dirty="0"/>
-              <a:t>…</a:t>
-            </a:r>
-          </a:p>
-        </p:txBody>
-      </p:sp>
-      <p:cxnSp>
-        <p:nvCxnSpPr>
-          <p:cNvPr id="194" name="Egyenes összekötő nyíllal 193">
-            <a:extLst>
-              <a:ext uri="{FF2B5EF4-FFF2-40B4-BE49-F238E27FC236}">
-                <a16:creationId xmlns:a16="http://schemas.microsoft.com/office/drawing/2014/main" id="{B3DBB400-AEB5-E058-5DE7-D10CC309BFF8}"/>
-              </a:ext>
-            </a:extLst>
-          </p:cNvPr>
-          <p:cNvCxnSpPr>
-            <a:cxnSpLocks/>
-          </p:cNvCxnSpPr>
-          <p:nvPr/>
-        </p:nvCxnSpPr>
-        <p:spPr>
-          <a:xfrm>
-            <a:off x="4632482" y="1629046"/>
-            <a:ext cx="759459" cy="0"/>
-          </a:xfrm>
-          <a:prstGeom prst="straightConnector1">
-            <a:avLst/>
-          </a:prstGeom>
-          <a:ln>
-            <a:solidFill>
-              <a:schemeClr val="tx1"/>
-            </a:solidFill>
-            <a:tailEnd type="triangle"/>
-          </a:ln>
-        </p:spPr>
-        <p:style>
-          <a:lnRef idx="1">
-            <a:schemeClr val="accent1"/>
-          </a:lnRef>
-          <a:fillRef idx="0">
-            <a:schemeClr val="accent1"/>
-          </a:fillRef>
-          <a:effectRef idx="0">
-            <a:schemeClr val="accent1"/>
-          </a:effectRef>
-          <a:fontRef idx="minor">
-            <a:schemeClr val="tx1"/>
-          </a:fontRef>
-        </p:style>
-      </p:cxnSp>
-      <p:cxnSp>
-        <p:nvCxnSpPr>
-          <p:cNvPr id="195" name="Egyenes összekötő nyíllal 194">
-            <a:extLst>
-              <a:ext uri="{FF2B5EF4-FFF2-40B4-BE49-F238E27FC236}">
-                <a16:creationId xmlns:a16="http://schemas.microsoft.com/office/drawing/2014/main" id="{F9070A3B-C8BB-0762-53A4-5FA85A6D3E10}"/>
-              </a:ext>
-            </a:extLst>
-          </p:cNvPr>
-          <p:cNvCxnSpPr>
-            <a:cxnSpLocks/>
-          </p:cNvCxnSpPr>
-          <p:nvPr/>
-        </p:nvCxnSpPr>
-        <p:spPr>
-          <a:xfrm>
-            <a:off x="4631567" y="1652549"/>
-            <a:ext cx="760373" cy="698619"/>
-          </a:xfrm>
-          <a:prstGeom prst="straightConnector1">
-            <a:avLst/>
-          </a:prstGeom>
-          <a:ln>
-            <a:solidFill>
-              <a:schemeClr val="tx1"/>
-            </a:solidFill>
-            <a:tailEnd type="triangle"/>
-          </a:ln>
-        </p:spPr>
-        <p:style>
-          <a:lnRef idx="1">
-            <a:schemeClr val="accent1"/>
-          </a:lnRef>
-          <a:fillRef idx="0">
-            <a:schemeClr val="accent1"/>
-          </a:fillRef>
-          <a:effectRef idx="0">
-            <a:schemeClr val="accent1"/>
-          </a:effectRef>
-          <a:fontRef idx="minor">
-            <a:schemeClr val="tx1"/>
-          </a:fontRef>
-        </p:style>
-      </p:cxnSp>
-      <p:cxnSp>
-        <p:nvCxnSpPr>
-          <p:cNvPr id="196" name="Egyenes összekötő nyíllal 195">
-            <a:extLst>
-              <a:ext uri="{FF2B5EF4-FFF2-40B4-BE49-F238E27FC236}">
-                <a16:creationId xmlns:a16="http://schemas.microsoft.com/office/drawing/2014/main" id="{C5BD9A36-1358-5613-A78B-17AD5CA31209}"/>
-              </a:ext>
-            </a:extLst>
-          </p:cNvPr>
-          <p:cNvCxnSpPr>
-            <a:cxnSpLocks/>
-          </p:cNvCxnSpPr>
-          <p:nvPr/>
-        </p:nvCxnSpPr>
-        <p:spPr>
-          <a:xfrm>
-            <a:off x="4632482" y="1629046"/>
-            <a:ext cx="786073" cy="1467742"/>
-          </a:xfrm>
-          <a:prstGeom prst="straightConnector1">
-            <a:avLst/>
-          </a:prstGeom>
-          <a:ln>
-            <a:solidFill>
-              <a:schemeClr val="tx1"/>
-            </a:solidFill>
-            <a:tailEnd type="triangle"/>
-          </a:ln>
-        </p:spPr>
-        <p:style>
-          <a:lnRef idx="1">
-            <a:schemeClr val="accent1"/>
-          </a:lnRef>
-          <a:fillRef idx="0">
-            <a:schemeClr val="accent1"/>
-          </a:fillRef>
-          <a:effectRef idx="0">
-            <a:schemeClr val="accent1"/>
-          </a:effectRef>
-          <a:fontRef idx="minor">
-            <a:schemeClr val="tx1"/>
-          </a:fontRef>
-        </p:style>
-      </p:cxnSp>
-      <p:cxnSp>
-        <p:nvCxnSpPr>
-          <p:cNvPr id="197" name="Egyenes összekötő nyíllal 196">
-            <a:extLst>
-              <a:ext uri="{FF2B5EF4-FFF2-40B4-BE49-F238E27FC236}">
-                <a16:creationId xmlns:a16="http://schemas.microsoft.com/office/drawing/2014/main" id="{9C9C272E-EC71-0851-7CA6-C11FDA8AFC13}"/>
-              </a:ext>
-            </a:extLst>
-          </p:cNvPr>
-          <p:cNvCxnSpPr>
-            <a:cxnSpLocks/>
-          </p:cNvCxnSpPr>
-          <p:nvPr/>
-        </p:nvCxnSpPr>
-        <p:spPr>
-          <a:xfrm>
-            <a:off x="4638597" y="1666376"/>
-            <a:ext cx="753343" cy="2082030"/>
-          </a:xfrm>
-          <a:prstGeom prst="straightConnector1">
-            <a:avLst/>
-          </a:prstGeom>
-          <a:ln>
-            <a:solidFill>
-              <a:schemeClr val="tx1"/>
-            </a:solidFill>
-            <a:tailEnd type="triangle"/>
-          </a:ln>
-        </p:spPr>
-        <p:style>
-          <a:lnRef idx="1">
-            <a:schemeClr val="accent1"/>
-          </a:lnRef>
-          <a:fillRef idx="0">
-            <a:schemeClr val="accent1"/>
-          </a:fillRef>
-          <a:effectRef idx="0">
-            <a:schemeClr val="accent1"/>
-          </a:effectRef>
-          <a:fontRef idx="minor">
-            <a:schemeClr val="tx1"/>
-          </a:fontRef>
-        </p:style>
-      </p:cxnSp>
-      <p:cxnSp>
-        <p:nvCxnSpPr>
-          <p:cNvPr id="198" name="Egyenes összekötő nyíllal 197">
-            <a:extLst>
-              <a:ext uri="{FF2B5EF4-FFF2-40B4-BE49-F238E27FC236}">
-                <a16:creationId xmlns:a16="http://schemas.microsoft.com/office/drawing/2014/main" id="{4647D766-610E-B3A2-ABB8-0FDD7D867969}"/>
-              </a:ext>
-            </a:extLst>
-          </p:cNvPr>
-          <p:cNvCxnSpPr>
-            <a:cxnSpLocks/>
-          </p:cNvCxnSpPr>
-          <p:nvPr/>
-        </p:nvCxnSpPr>
-        <p:spPr>
-          <a:xfrm flipV="1">
-            <a:off x="4651710" y="1629046"/>
-            <a:ext cx="740231" cy="722120"/>
-          </a:xfrm>
-          <a:prstGeom prst="straightConnector1">
-            <a:avLst/>
-          </a:prstGeom>
-          <a:ln>
-            <a:solidFill>
-              <a:schemeClr val="tx1"/>
-            </a:solidFill>
-            <a:tailEnd type="triangle"/>
-          </a:ln>
-        </p:spPr>
-        <p:style>
-          <a:lnRef idx="1">
-            <a:schemeClr val="accent1"/>
-          </a:lnRef>
-          <a:fillRef idx="0">
-            <a:schemeClr val="accent1"/>
-          </a:fillRef>
-          <a:effectRef idx="0">
-            <a:schemeClr val="accent1"/>
-          </a:effectRef>
-          <a:fontRef idx="minor">
-            <a:schemeClr val="tx1"/>
-          </a:fontRef>
-        </p:style>
-      </p:cxnSp>
-      <p:cxnSp>
-        <p:nvCxnSpPr>
-          <p:cNvPr id="199" name="Egyenes összekötő nyíllal 198">
-            <a:extLst>
-              <a:ext uri="{FF2B5EF4-FFF2-40B4-BE49-F238E27FC236}">
-                <a16:creationId xmlns:a16="http://schemas.microsoft.com/office/drawing/2014/main" id="{4DA04672-7877-BD58-A588-D380051E34E9}"/>
-              </a:ext>
-            </a:extLst>
-          </p:cNvPr>
-          <p:cNvCxnSpPr>
-            <a:cxnSpLocks/>
-          </p:cNvCxnSpPr>
-          <p:nvPr/>
-        </p:nvCxnSpPr>
-        <p:spPr>
-          <a:xfrm>
-            <a:off x="4625092" y="2351166"/>
-            <a:ext cx="766848" cy="2"/>
-          </a:xfrm>
-          <a:prstGeom prst="straightConnector1">
-            <a:avLst/>
-          </a:prstGeom>
-          <a:ln>
-            <a:solidFill>
-              <a:schemeClr val="tx1"/>
-            </a:solidFill>
-            <a:tailEnd type="triangle"/>
-          </a:ln>
-        </p:spPr>
-        <p:style>
-          <a:lnRef idx="1">
-            <a:schemeClr val="accent1"/>
-          </a:lnRef>
-          <a:fillRef idx="0">
-            <a:schemeClr val="accent1"/>
-          </a:fillRef>
-          <a:effectRef idx="0">
-            <a:schemeClr val="accent1"/>
-          </a:effectRef>
-          <a:fontRef idx="minor">
-            <a:schemeClr val="tx1"/>
-          </a:fontRef>
-        </p:style>
-      </p:cxnSp>
-      <p:cxnSp>
-        <p:nvCxnSpPr>
-          <p:cNvPr id="200" name="Egyenes összekötő nyíllal 199">
-            <a:extLst>
-              <a:ext uri="{FF2B5EF4-FFF2-40B4-BE49-F238E27FC236}">
-                <a16:creationId xmlns:a16="http://schemas.microsoft.com/office/drawing/2014/main" id="{74436B26-53A1-8065-6F73-B5A35563E882}"/>
-              </a:ext>
-            </a:extLst>
-          </p:cNvPr>
-          <p:cNvCxnSpPr>
-            <a:cxnSpLocks/>
-          </p:cNvCxnSpPr>
-          <p:nvPr/>
-        </p:nvCxnSpPr>
-        <p:spPr>
-          <a:xfrm>
-            <a:off x="4651710" y="2351165"/>
-            <a:ext cx="793460" cy="722120"/>
-          </a:xfrm>
-          <a:prstGeom prst="straightConnector1">
-            <a:avLst/>
-          </a:prstGeom>
-          <a:ln>
-            <a:solidFill>
-              <a:schemeClr val="tx1"/>
-            </a:solidFill>
-            <a:tailEnd type="triangle"/>
-          </a:ln>
-        </p:spPr>
-        <p:style>
-          <a:lnRef idx="1">
-            <a:schemeClr val="accent1"/>
-          </a:lnRef>
-          <a:fillRef idx="0">
-            <a:schemeClr val="accent1"/>
-          </a:fillRef>
-          <a:effectRef idx="0">
-            <a:schemeClr val="accent1"/>
-          </a:effectRef>
-          <a:fontRef idx="minor">
-            <a:schemeClr val="tx1"/>
-          </a:fontRef>
-        </p:style>
-      </p:cxnSp>
-      <p:cxnSp>
-        <p:nvCxnSpPr>
-          <p:cNvPr id="201" name="Egyenes összekötő nyíllal 200">
-            <a:extLst>
-              <a:ext uri="{FF2B5EF4-FFF2-40B4-BE49-F238E27FC236}">
-                <a16:creationId xmlns:a16="http://schemas.microsoft.com/office/drawing/2014/main" id="{130D6372-5996-FACC-3A81-E63EC874040A}"/>
-              </a:ext>
-            </a:extLst>
-          </p:cNvPr>
-          <p:cNvCxnSpPr>
-            <a:cxnSpLocks/>
-          </p:cNvCxnSpPr>
-          <p:nvPr/>
-        </p:nvCxnSpPr>
-        <p:spPr>
-          <a:xfrm>
-            <a:off x="4665767" y="2344249"/>
-            <a:ext cx="726173" cy="1404157"/>
-          </a:xfrm>
-          <a:prstGeom prst="straightConnector1">
-            <a:avLst/>
-          </a:prstGeom>
-          <a:ln>
-            <a:solidFill>
-              <a:schemeClr val="tx1"/>
-            </a:solidFill>
-            <a:tailEnd type="triangle"/>
-          </a:ln>
-        </p:spPr>
-        <p:style>
-          <a:lnRef idx="1">
-            <a:schemeClr val="accent1"/>
-          </a:lnRef>
-          <a:fillRef idx="0">
-            <a:schemeClr val="accent1"/>
-          </a:fillRef>
-          <a:effectRef idx="0">
-            <a:schemeClr val="accent1"/>
-          </a:effectRef>
-          <a:fontRef idx="minor">
-            <a:schemeClr val="tx1"/>
-          </a:fontRef>
-        </p:style>
-      </p:cxnSp>
-      <p:cxnSp>
-        <p:nvCxnSpPr>
-          <p:cNvPr id="202" name="Egyenes összekötő nyíllal 201">
-            <a:extLst>
-              <a:ext uri="{FF2B5EF4-FFF2-40B4-BE49-F238E27FC236}">
-                <a16:creationId xmlns:a16="http://schemas.microsoft.com/office/drawing/2014/main" id="{AAFDEB79-F24F-0007-C62B-44BB0C546328}"/>
-              </a:ext>
-            </a:extLst>
-          </p:cNvPr>
-          <p:cNvCxnSpPr>
-            <a:cxnSpLocks/>
-          </p:cNvCxnSpPr>
-          <p:nvPr/>
-        </p:nvCxnSpPr>
-        <p:spPr>
-          <a:xfrm>
-            <a:off x="4580784" y="3096787"/>
-            <a:ext cx="864386" cy="6917"/>
-          </a:xfrm>
-          <a:prstGeom prst="straightConnector1">
-            <a:avLst/>
-          </a:prstGeom>
-          <a:ln>
-            <a:solidFill>
-              <a:schemeClr val="tx1"/>
-            </a:solidFill>
-            <a:tailEnd type="triangle"/>
-          </a:ln>
-        </p:spPr>
-        <p:style>
-          <a:lnRef idx="1">
-            <a:schemeClr val="accent1"/>
-          </a:lnRef>
-          <a:fillRef idx="0">
-            <a:schemeClr val="accent1"/>
-          </a:fillRef>
-          <a:effectRef idx="0">
-            <a:schemeClr val="accent1"/>
-          </a:effectRef>
-          <a:fontRef idx="minor">
-            <a:schemeClr val="tx1"/>
-          </a:fontRef>
-        </p:style>
-      </p:cxnSp>
-      <p:cxnSp>
-        <p:nvCxnSpPr>
-          <p:cNvPr id="203" name="Egyenes összekötő nyíllal 202">
-            <a:extLst>
-              <a:ext uri="{FF2B5EF4-FFF2-40B4-BE49-F238E27FC236}">
-                <a16:creationId xmlns:a16="http://schemas.microsoft.com/office/drawing/2014/main" id="{3E2366AA-8560-7A47-A989-D2D399F6990B}"/>
-              </a:ext>
-            </a:extLst>
-          </p:cNvPr>
-          <p:cNvCxnSpPr>
-            <a:cxnSpLocks/>
-          </p:cNvCxnSpPr>
-          <p:nvPr/>
-        </p:nvCxnSpPr>
-        <p:spPr>
-          <a:xfrm>
-            <a:off x="4634387" y="3738402"/>
-            <a:ext cx="766848" cy="2"/>
-          </a:xfrm>
-          <a:prstGeom prst="straightConnector1">
-            <a:avLst/>
-          </a:prstGeom>
-          <a:ln>
-            <a:solidFill>
-              <a:schemeClr val="tx1"/>
-            </a:solidFill>
-            <a:tailEnd type="triangle"/>
-          </a:ln>
-        </p:spPr>
-        <p:style>
-          <a:lnRef idx="1">
-            <a:schemeClr val="accent1"/>
-          </a:lnRef>
-          <a:fillRef idx="0">
-            <a:schemeClr val="accent1"/>
-          </a:fillRef>
-          <a:effectRef idx="0">
-            <a:schemeClr val="accent1"/>
-          </a:effectRef>
-          <a:fontRef idx="minor">
-            <a:schemeClr val="tx1"/>
-          </a:fontRef>
-        </p:style>
-      </p:cxnSp>
-      <p:cxnSp>
-        <p:nvCxnSpPr>
-          <p:cNvPr id="204" name="Egyenes összekötő nyíllal 203">
-            <a:extLst>
-              <a:ext uri="{FF2B5EF4-FFF2-40B4-BE49-F238E27FC236}">
-                <a16:creationId xmlns:a16="http://schemas.microsoft.com/office/drawing/2014/main" id="{C67F4446-612F-B97D-EF8D-EB13E03C5423}"/>
-              </a:ext>
-            </a:extLst>
-          </p:cNvPr>
-          <p:cNvCxnSpPr>
-            <a:cxnSpLocks/>
-          </p:cNvCxnSpPr>
-          <p:nvPr/>
-        </p:nvCxnSpPr>
-        <p:spPr>
-          <a:xfrm flipV="1">
-            <a:off x="4586100" y="2351168"/>
-            <a:ext cx="805840" cy="745619"/>
-          </a:xfrm>
-          <a:prstGeom prst="straightConnector1">
-            <a:avLst/>
-          </a:prstGeom>
-          <a:ln>
-            <a:solidFill>
-              <a:schemeClr val="tx1"/>
-            </a:solidFill>
-            <a:tailEnd type="triangle"/>
-          </a:ln>
-        </p:spPr>
-        <p:style>
-          <a:lnRef idx="1">
-            <a:schemeClr val="accent1"/>
-          </a:lnRef>
-          <a:fillRef idx="0">
-            <a:schemeClr val="accent1"/>
-          </a:fillRef>
-          <a:effectRef idx="0">
-            <a:schemeClr val="accent1"/>
-          </a:effectRef>
-          <a:fontRef idx="minor">
-            <a:schemeClr val="tx1"/>
-          </a:fontRef>
-        </p:style>
-      </p:cxnSp>
-      <p:cxnSp>
-        <p:nvCxnSpPr>
-          <p:cNvPr id="205" name="Egyenes összekötő nyíllal 204">
-            <a:extLst>
-              <a:ext uri="{FF2B5EF4-FFF2-40B4-BE49-F238E27FC236}">
-                <a16:creationId xmlns:a16="http://schemas.microsoft.com/office/drawing/2014/main" id="{A5BBA0B5-2052-126D-C112-5CBC66257D9B}"/>
-              </a:ext>
-            </a:extLst>
-          </p:cNvPr>
-          <p:cNvCxnSpPr>
-            <a:cxnSpLocks/>
-          </p:cNvCxnSpPr>
-          <p:nvPr/>
-        </p:nvCxnSpPr>
-        <p:spPr>
-          <a:xfrm flipV="1">
-            <a:off x="4595395" y="1629046"/>
-            <a:ext cx="796546" cy="1457741"/>
-          </a:xfrm>
-          <a:prstGeom prst="straightConnector1">
-            <a:avLst/>
-          </a:prstGeom>
-          <a:ln>
-            <a:solidFill>
-              <a:schemeClr val="tx1"/>
-            </a:solidFill>
-            <a:tailEnd type="triangle"/>
-          </a:ln>
-        </p:spPr>
-        <p:style>
-          <a:lnRef idx="1">
-            <a:schemeClr val="accent1"/>
-          </a:lnRef>
-          <a:fillRef idx="0">
-            <a:schemeClr val="accent1"/>
-          </a:fillRef>
-          <a:effectRef idx="0">
-            <a:schemeClr val="accent1"/>
-          </a:effectRef>
-          <a:fontRef idx="minor">
-            <a:schemeClr val="tx1"/>
-          </a:fontRef>
-        </p:style>
-      </p:cxnSp>
-      <p:cxnSp>
-        <p:nvCxnSpPr>
-          <p:cNvPr id="206" name="Egyenes összekötő nyíllal 205">
-            <a:extLst>
-              <a:ext uri="{FF2B5EF4-FFF2-40B4-BE49-F238E27FC236}">
-                <a16:creationId xmlns:a16="http://schemas.microsoft.com/office/drawing/2014/main" id="{37180F98-CC9C-410F-55CB-9FA01BADEA2E}"/>
-              </a:ext>
-            </a:extLst>
-          </p:cNvPr>
-          <p:cNvCxnSpPr>
-            <a:cxnSpLocks/>
-          </p:cNvCxnSpPr>
-          <p:nvPr/>
-        </p:nvCxnSpPr>
-        <p:spPr>
-          <a:xfrm>
-            <a:off x="4596858" y="3087624"/>
-            <a:ext cx="795082" cy="660782"/>
-          </a:xfrm>
-          <a:prstGeom prst="straightConnector1">
-            <a:avLst/>
-          </a:prstGeom>
-          <a:ln>
-            <a:solidFill>
-              <a:schemeClr val="tx1"/>
-            </a:solidFill>
-            <a:tailEnd type="triangle"/>
-          </a:ln>
-        </p:spPr>
-        <p:style>
-          <a:lnRef idx="1">
-            <a:schemeClr val="accent1"/>
-          </a:lnRef>
-          <a:fillRef idx="0">
-            <a:schemeClr val="accent1"/>
-          </a:fillRef>
-          <a:effectRef idx="0">
-            <a:schemeClr val="accent1"/>
-          </a:effectRef>
-          <a:fontRef idx="minor">
-            <a:schemeClr val="tx1"/>
-          </a:fontRef>
-        </p:style>
-      </p:cxnSp>
-      <p:cxnSp>
-        <p:nvCxnSpPr>
-          <p:cNvPr id="207" name="Egyenes összekötő nyíllal 206">
-            <a:extLst>
-              <a:ext uri="{FF2B5EF4-FFF2-40B4-BE49-F238E27FC236}">
-                <a16:creationId xmlns:a16="http://schemas.microsoft.com/office/drawing/2014/main" id="{DDE44355-0A6D-D750-FE4A-409BB26F4F4B}"/>
-              </a:ext>
-            </a:extLst>
-          </p:cNvPr>
-          <p:cNvCxnSpPr>
-            <a:cxnSpLocks/>
-          </p:cNvCxnSpPr>
-          <p:nvPr/>
-        </p:nvCxnSpPr>
-        <p:spPr>
-          <a:xfrm flipV="1">
-            <a:off x="4647892" y="3073285"/>
-            <a:ext cx="795082" cy="658716"/>
-          </a:xfrm>
-          <a:prstGeom prst="straightConnector1">
-            <a:avLst/>
-          </a:prstGeom>
-          <a:ln>
-            <a:solidFill>
-              <a:schemeClr val="tx1"/>
-            </a:solidFill>
-            <a:tailEnd type="triangle"/>
-          </a:ln>
-        </p:spPr>
-        <p:style>
-          <a:lnRef idx="1">
-            <a:schemeClr val="accent1"/>
-          </a:lnRef>
-          <a:fillRef idx="0">
-            <a:schemeClr val="accent1"/>
-          </a:fillRef>
-          <a:effectRef idx="0">
-            <a:schemeClr val="accent1"/>
-          </a:effectRef>
-          <a:fontRef idx="minor">
-            <a:schemeClr val="tx1"/>
-          </a:fontRef>
-        </p:style>
-      </p:cxnSp>
-      <p:cxnSp>
-        <p:nvCxnSpPr>
-          <p:cNvPr id="208" name="Egyenes összekötő nyíllal 207">
-            <a:extLst>
-              <a:ext uri="{FF2B5EF4-FFF2-40B4-BE49-F238E27FC236}">
-                <a16:creationId xmlns:a16="http://schemas.microsoft.com/office/drawing/2014/main" id="{F499396B-BE6A-CA02-8C4B-0CA1883FABC8}"/>
-              </a:ext>
-            </a:extLst>
-          </p:cNvPr>
-          <p:cNvCxnSpPr>
-            <a:cxnSpLocks/>
-          </p:cNvCxnSpPr>
-          <p:nvPr/>
-        </p:nvCxnSpPr>
-        <p:spPr>
-          <a:xfrm flipV="1">
-            <a:off x="4651555" y="2351168"/>
-            <a:ext cx="740385" cy="1390783"/>
-          </a:xfrm>
-          <a:prstGeom prst="straightConnector1">
-            <a:avLst/>
-          </a:prstGeom>
-          <a:ln>
-            <a:solidFill>
-              <a:schemeClr val="tx1"/>
-            </a:solidFill>
-            <a:tailEnd type="triangle"/>
-          </a:ln>
-        </p:spPr>
-        <p:style>
-          <a:lnRef idx="1">
-            <a:schemeClr val="accent1"/>
-          </a:lnRef>
-          <a:fillRef idx="0">
-            <a:schemeClr val="accent1"/>
-          </a:fillRef>
-          <a:effectRef idx="0">
-            <a:schemeClr val="accent1"/>
-          </a:effectRef>
-          <a:fontRef idx="minor">
-            <a:schemeClr val="tx1"/>
-          </a:fontRef>
-        </p:style>
-      </p:cxnSp>
-      <p:cxnSp>
-        <p:nvCxnSpPr>
-          <p:cNvPr id="209" name="Egyenes összekötő nyíllal 208">
-            <a:extLst>
-              <a:ext uri="{FF2B5EF4-FFF2-40B4-BE49-F238E27FC236}">
-                <a16:creationId xmlns:a16="http://schemas.microsoft.com/office/drawing/2014/main" id="{753DE94C-7AA4-DDC1-C91F-302382C0B915}"/>
-              </a:ext>
-            </a:extLst>
-          </p:cNvPr>
-          <p:cNvCxnSpPr>
-            <a:cxnSpLocks/>
-          </p:cNvCxnSpPr>
-          <p:nvPr/>
-        </p:nvCxnSpPr>
-        <p:spPr>
-          <a:xfrm flipV="1">
-            <a:off x="4651554" y="1629046"/>
-            <a:ext cx="740387" cy="2108937"/>
-          </a:xfrm>
-          <a:prstGeom prst="straightConnector1">
-            <a:avLst/>
-          </a:prstGeom>
-          <a:ln>
-            <a:solidFill>
-              <a:schemeClr val="tx1"/>
-            </a:solidFill>
-            <a:tailEnd type="triangle"/>
-          </a:ln>
-        </p:spPr>
-        <p:style>
-          <a:lnRef idx="1">
-            <a:schemeClr val="accent1"/>
-          </a:lnRef>
-          <a:fillRef idx="0">
-            <a:schemeClr val="accent1"/>
-          </a:fillRef>
-          <a:effectRef idx="0">
-            <a:schemeClr val="accent1"/>
-          </a:effectRef>
-          <a:fontRef idx="minor">
-            <a:schemeClr val="tx1"/>
-          </a:fontRef>
-        </p:style>
-      </p:cxnSp>
-      <p:cxnSp>
-        <p:nvCxnSpPr>
-          <p:cNvPr id="210" name="Egyenes összekötő nyíllal 209">
-            <a:extLst>
-              <a:ext uri="{FF2B5EF4-FFF2-40B4-BE49-F238E27FC236}">
-                <a16:creationId xmlns:a16="http://schemas.microsoft.com/office/drawing/2014/main" id="{6EB7E552-F525-E0C8-D893-2FF64447C3AB}"/>
-              </a:ext>
-            </a:extLst>
-          </p:cNvPr>
-          <p:cNvCxnSpPr>
-            <a:cxnSpLocks/>
-            <a:endCxn id="154" idx="2"/>
-          </p:cNvCxnSpPr>
-          <p:nvPr/>
-        </p:nvCxnSpPr>
-        <p:spPr>
-          <a:xfrm>
-            <a:off x="6125409" y="1629046"/>
-            <a:ext cx="759459" cy="1039379"/>
-          </a:xfrm>
-          <a:prstGeom prst="straightConnector1">
-            <a:avLst/>
-          </a:prstGeom>
-          <a:ln>
-            <a:solidFill>
-              <a:schemeClr val="tx1"/>
-            </a:solidFill>
-            <a:tailEnd type="triangle"/>
-          </a:ln>
-        </p:spPr>
-        <p:style>
-          <a:lnRef idx="1">
-            <a:schemeClr val="accent1"/>
-          </a:lnRef>
-          <a:fillRef idx="0">
-            <a:schemeClr val="accent1"/>
-          </a:fillRef>
-          <a:effectRef idx="0">
-            <a:schemeClr val="accent1"/>
-          </a:effectRef>
-          <a:fontRef idx="minor">
-            <a:schemeClr val="tx1"/>
-          </a:fontRef>
-        </p:style>
-      </p:cxnSp>
-      <p:cxnSp>
-        <p:nvCxnSpPr>
-          <p:cNvPr id="211" name="Egyenes összekötő nyíllal 210">
-            <a:extLst>
-              <a:ext uri="{FF2B5EF4-FFF2-40B4-BE49-F238E27FC236}">
-                <a16:creationId xmlns:a16="http://schemas.microsoft.com/office/drawing/2014/main" id="{ADC0980A-FC09-798D-09AF-22FC91547B55}"/>
-              </a:ext>
-            </a:extLst>
-          </p:cNvPr>
-          <p:cNvCxnSpPr>
-            <a:cxnSpLocks/>
-            <a:endCxn id="154" idx="2"/>
-          </p:cNvCxnSpPr>
-          <p:nvPr/>
-        </p:nvCxnSpPr>
-        <p:spPr>
-          <a:xfrm>
-            <a:off x="6125409" y="2342616"/>
-            <a:ext cx="759459" cy="325809"/>
-          </a:xfrm>
-          <a:prstGeom prst="straightConnector1">
-            <a:avLst/>
-          </a:prstGeom>
-          <a:ln>
-            <a:solidFill>
-              <a:schemeClr val="tx1"/>
-            </a:solidFill>
-            <a:tailEnd type="triangle"/>
-          </a:ln>
-        </p:spPr>
-        <p:style>
-          <a:lnRef idx="1">
-            <a:schemeClr val="accent1"/>
-          </a:lnRef>
-          <a:fillRef idx="0">
-            <a:schemeClr val="accent1"/>
-          </a:fillRef>
-          <a:effectRef idx="0">
-            <a:schemeClr val="accent1"/>
-          </a:effectRef>
-          <a:fontRef idx="minor">
-            <a:schemeClr val="tx1"/>
-          </a:fontRef>
-        </p:style>
-      </p:cxnSp>
-      <p:cxnSp>
-        <p:nvCxnSpPr>
-          <p:cNvPr id="212" name="Egyenes összekötő nyíllal 211">
-            <a:extLst>
-              <a:ext uri="{FF2B5EF4-FFF2-40B4-BE49-F238E27FC236}">
-                <a16:creationId xmlns:a16="http://schemas.microsoft.com/office/drawing/2014/main" id="{23307840-049F-27C5-1885-C6362CDF260E}"/>
-              </a:ext>
-            </a:extLst>
-          </p:cNvPr>
-          <p:cNvCxnSpPr>
-            <a:cxnSpLocks/>
-            <a:endCxn id="154" idx="2"/>
-          </p:cNvCxnSpPr>
-          <p:nvPr/>
-        </p:nvCxnSpPr>
-        <p:spPr>
-          <a:xfrm flipV="1">
-            <a:off x="6079888" y="2668425"/>
-            <a:ext cx="804980" cy="411263"/>
-          </a:xfrm>
-          <a:prstGeom prst="straightConnector1">
-            <a:avLst/>
-          </a:prstGeom>
-          <a:ln>
-            <a:solidFill>
-              <a:schemeClr val="tx1"/>
-            </a:solidFill>
-            <a:tailEnd type="triangle"/>
-          </a:ln>
-        </p:spPr>
-        <p:style>
-          <a:lnRef idx="1">
-            <a:schemeClr val="accent1"/>
-          </a:lnRef>
-          <a:fillRef idx="0">
-            <a:schemeClr val="accent1"/>
-          </a:fillRef>
-          <a:effectRef idx="0">
-            <a:schemeClr val="accent1"/>
-          </a:effectRef>
-          <a:fontRef idx="minor">
-            <a:schemeClr val="tx1"/>
-          </a:fontRef>
-        </p:style>
-      </p:cxnSp>
-      <p:cxnSp>
-        <p:nvCxnSpPr>
-          <p:cNvPr id="213" name="Egyenes összekötő nyíllal 212">
-            <a:extLst>
-              <a:ext uri="{FF2B5EF4-FFF2-40B4-BE49-F238E27FC236}">
-                <a16:creationId xmlns:a16="http://schemas.microsoft.com/office/drawing/2014/main" id="{38F69F1D-E101-3977-F7FB-9737125633D3}"/>
-              </a:ext>
-            </a:extLst>
-          </p:cNvPr>
-          <p:cNvCxnSpPr>
-            <a:cxnSpLocks/>
-            <a:endCxn id="154" idx="2"/>
-          </p:cNvCxnSpPr>
-          <p:nvPr/>
-        </p:nvCxnSpPr>
-        <p:spPr>
-          <a:xfrm flipV="1">
-            <a:off x="6106503" y="2668425"/>
-            <a:ext cx="778365" cy="1126278"/>
-          </a:xfrm>
-          <a:prstGeom prst="straightConnector1">
-            <a:avLst/>
-          </a:prstGeom>
-          <a:ln>
-            <a:solidFill>
-              <a:schemeClr val="tx1"/>
-            </a:solidFill>
-            <a:tailEnd type="triangle"/>
-          </a:ln>
-        </p:spPr>
-        <p:style>
-          <a:lnRef idx="1">
-            <a:schemeClr val="accent1"/>
-          </a:lnRef>
-          <a:fillRef idx="0">
-            <a:schemeClr val="accent1"/>
-          </a:fillRef>
-          <a:effectRef idx="0">
-            <a:schemeClr val="accent1"/>
-          </a:effectRef>
-          <a:fontRef idx="minor">
-            <a:schemeClr val="tx1"/>
-          </a:fontRef>
-        </p:style>
-      </p:cxnSp>
-      <p:sp>
-        <p:nvSpPr>
-          <p:cNvPr id="214" name="Szövegdoboz 213">
-            <a:extLst>
-              <a:ext uri="{FF2B5EF4-FFF2-40B4-BE49-F238E27FC236}">
-                <a16:creationId xmlns:a16="http://schemas.microsoft.com/office/drawing/2014/main" id="{E92057FB-A48F-1D1B-DF6C-22A71602D024}"/>
+              <a:rPr lang="en-GB" sz="1200" dirty="0" err="1"/>
+              <a:t>bemeneti</a:t>
+            </a:r>
+            <a:r>
+              <a:rPr lang="en-GB" sz="1200" dirty="0"/>
+              <a:t> </a:t>
+            </a:r>
+            <a:r>
+              <a:rPr lang="en-GB" sz="1200" dirty="0" err="1"/>
+              <a:t>réteg</a:t>
+            </a:r>
+            <a:endParaRPr lang="en-GB" sz="1200" dirty="0"/>
+          </a:p>
+        </p:txBody>
+      </p:sp>
+      <p:sp>
+        <p:nvSpPr>
+          <p:cNvPr id="215" name="Szövegdoboz 214">
+            <a:extLst>
+              <a:ext uri="{FF2B5EF4-FFF2-40B4-BE49-F238E27FC236}">
+                <a16:creationId xmlns:a16="http://schemas.microsoft.com/office/drawing/2014/main" id="{215FF3F1-4AE0-7E4A-68D9-E85B9C80D01D}"/>
               </a:ext>
             </a:extLst>
           </p:cNvPr>
@@ -10093,8 +10088,8 @@
         </p:nvSpPr>
         <p:spPr>
           <a:xfrm>
-            <a:off x="838313" y="964279"/>
-            <a:ext cx="1149097" cy="276999"/>
+            <a:off x="8619178" y="1704816"/>
+            <a:ext cx="1094595" cy="276999"/>
           </a:xfrm>
           <a:prstGeom prst="rect">
             <a:avLst/>
@@ -10109,7 +10104,7 @@
           <a:p>
             <a:r>
               <a:rPr lang="en-GB" sz="1200" dirty="0" err="1"/>
-              <a:t>Bemeneti</a:t>
+              <a:t>kimeneti</a:t>
             </a:r>
             <a:r>
               <a:rPr lang="en-GB" sz="1200" dirty="0"/>
@@ -10125,10 +10120,10 @@
       </p:sp>
       <p:sp>
         <p:nvSpPr>
-          <p:cNvPr id="215" name="Szövegdoboz 214">
-            <a:extLst>
-              <a:ext uri="{FF2B5EF4-FFF2-40B4-BE49-F238E27FC236}">
-                <a16:creationId xmlns:a16="http://schemas.microsoft.com/office/drawing/2014/main" id="{215FF3F1-4AE0-7E4A-68D9-E85B9C80D01D}"/>
+          <p:cNvPr id="216" name="Szövegdoboz 215">
+            <a:extLst>
+              <a:ext uri="{FF2B5EF4-FFF2-40B4-BE49-F238E27FC236}">
+                <a16:creationId xmlns:a16="http://schemas.microsoft.com/office/drawing/2014/main" id="{F386E3AE-65ED-5859-D6F0-97ED45E97C5C}"/>
               </a:ext>
             </a:extLst>
           </p:cNvPr>
@@ -10137,8 +10132,8 @@
         </p:nvSpPr>
         <p:spPr>
           <a:xfrm>
-            <a:off x="6663378" y="970857"/>
-            <a:ext cx="1094595" cy="276999"/>
+            <a:off x="4258421" y="1721149"/>
+            <a:ext cx="1088696" cy="276999"/>
           </a:xfrm>
           <a:prstGeom prst="rect">
             <a:avLst/>
@@ -10152,8 +10147,12 @@
           <a:lstStyle/>
           <a:p>
             <a:r>
+              <a:rPr lang="en-GB" sz="1200" dirty="0"/>
+              <a:t>1. </a:t>
+            </a:r>
+            <a:r>
               <a:rPr lang="en-GB" sz="1200" dirty="0" err="1"/>
-              <a:t>kimeneti</a:t>
+              <a:t>rejtett</a:t>
             </a:r>
             <a:r>
               <a:rPr lang="en-GB" sz="1200" dirty="0"/>
@@ -10169,10 +10168,10 @@
       </p:sp>
       <p:sp>
         <p:nvSpPr>
-          <p:cNvPr id="216" name="Szövegdoboz 215">
-            <a:extLst>
-              <a:ext uri="{FF2B5EF4-FFF2-40B4-BE49-F238E27FC236}">
-                <a16:creationId xmlns:a16="http://schemas.microsoft.com/office/drawing/2014/main" id="{F386E3AE-65ED-5859-D6F0-97ED45E97C5C}"/>
+          <p:cNvPr id="217" name="Szövegdoboz 216">
+            <a:extLst>
+              <a:ext uri="{FF2B5EF4-FFF2-40B4-BE49-F238E27FC236}">
+                <a16:creationId xmlns:a16="http://schemas.microsoft.com/office/drawing/2014/main" id="{17290DDC-D363-BC6E-B243-B891A7671EFE}"/>
               </a:ext>
             </a:extLst>
           </p:cNvPr>
@@ -10181,7 +10180,7 @@
         </p:nvSpPr>
         <p:spPr>
           <a:xfrm>
-            <a:off x="2302621" y="987190"/>
+            <a:off x="5699698" y="1721256"/>
             <a:ext cx="1088696" cy="276999"/>
           </a:xfrm>
           <a:prstGeom prst="rect">
@@ -10197,7 +10196,7 @@
           <a:p>
             <a:r>
               <a:rPr lang="en-GB" sz="1200" dirty="0"/>
-              <a:t>1. </a:t>
+              <a:t>2. </a:t>
             </a:r>
             <a:r>
               <a:rPr lang="en-GB" sz="1200" dirty="0" err="1"/>
@@ -10217,10 +10216,10 @@
       </p:sp>
       <p:sp>
         <p:nvSpPr>
-          <p:cNvPr id="217" name="Szövegdoboz 216">
-            <a:extLst>
-              <a:ext uri="{FF2B5EF4-FFF2-40B4-BE49-F238E27FC236}">
-                <a16:creationId xmlns:a16="http://schemas.microsoft.com/office/drawing/2014/main" id="{17290DDC-D363-BC6E-B243-B891A7671EFE}"/>
+          <p:cNvPr id="218" name="Szövegdoboz 217">
+            <a:extLst>
+              <a:ext uri="{FF2B5EF4-FFF2-40B4-BE49-F238E27FC236}">
+                <a16:creationId xmlns:a16="http://schemas.microsoft.com/office/drawing/2014/main" id="{AA5C7A00-9DE1-6510-D05E-344A2676D4B4}"/>
               </a:ext>
             </a:extLst>
           </p:cNvPr>
@@ -10229,7 +10228,7 @@
         </p:nvSpPr>
         <p:spPr>
           <a:xfrm>
-            <a:off x="3743898" y="987297"/>
+            <a:off x="7171720" y="1720772"/>
             <a:ext cx="1088696" cy="276999"/>
           </a:xfrm>
           <a:prstGeom prst="rect">
@@ -10245,7 +10244,7 @@
           <a:p>
             <a:r>
               <a:rPr lang="en-GB" sz="1200" dirty="0"/>
-              <a:t>2. </a:t>
+              <a:t>3. </a:t>
             </a:r>
             <a:r>
               <a:rPr lang="en-GB" sz="1200" dirty="0" err="1"/>
@@ -10263,12 +10262,56 @@
           </a:p>
         </p:txBody>
       </p:sp>
-      <p:sp>
-        <p:nvSpPr>
-          <p:cNvPr id="218" name="Szövegdoboz 217">
-            <a:extLst>
-              <a:ext uri="{FF2B5EF4-FFF2-40B4-BE49-F238E27FC236}">
-                <a16:creationId xmlns:a16="http://schemas.microsoft.com/office/drawing/2014/main" id="{AA5C7A00-9DE1-6510-D05E-344A2676D4B4}"/>
+      <p:cxnSp>
+        <p:nvCxnSpPr>
+          <p:cNvPr id="221" name="Egyenes összekötő nyíllal 220">
+            <a:extLst>
+              <a:ext uri="{FF2B5EF4-FFF2-40B4-BE49-F238E27FC236}">
+                <a16:creationId xmlns:a16="http://schemas.microsoft.com/office/drawing/2014/main" id="{8F556E6E-3DFD-975E-2FA6-E0269D58F71E}"/>
+              </a:ext>
+            </a:extLst>
+          </p:cNvPr>
+          <p:cNvCxnSpPr>
+            <a:cxnSpLocks/>
+          </p:cNvCxnSpPr>
+          <p:nvPr/>
+        </p:nvCxnSpPr>
+        <p:spPr>
+          <a:xfrm>
+            <a:off x="2607042" y="3416676"/>
+            <a:ext cx="372729" cy="2969"/>
+          </a:xfrm>
+          <a:prstGeom prst="straightConnector1">
+            <a:avLst/>
+          </a:prstGeom>
+          <a:ln>
+            <a:solidFill>
+              <a:schemeClr val="tx1"/>
+            </a:solidFill>
+            <a:tailEnd type="triangle"/>
+          </a:ln>
+        </p:spPr>
+        <p:style>
+          <a:lnRef idx="1">
+            <a:schemeClr val="accent1"/>
+          </a:lnRef>
+          <a:fillRef idx="0">
+            <a:schemeClr val="accent1"/>
+          </a:fillRef>
+          <a:effectRef idx="0">
+            <a:schemeClr val="accent1"/>
+          </a:effectRef>
+          <a:fontRef idx="minor">
+            <a:schemeClr val="tx1"/>
+          </a:fontRef>
+        </p:style>
+      </p:cxnSp>
+      <p:sp>
+        <p:nvSpPr>
+          <p:cNvPr id="222" name="Szövegdoboz 221">
+            <a:extLst>
+              <a:ext uri="{FF2B5EF4-FFF2-40B4-BE49-F238E27FC236}">
+                <a16:creationId xmlns:a16="http://schemas.microsoft.com/office/drawing/2014/main" id="{047A2308-8647-661E-115A-61915A54BDD4}"/>
               </a:ext>
             </a:extLst>
           </p:cNvPr>
@@ -10277,8 +10320,8 @@
         </p:nvSpPr>
         <p:spPr>
           <a:xfrm>
-            <a:off x="5215920" y="986813"/>
-            <a:ext cx="1088696" cy="276999"/>
+            <a:off x="8864618" y="3239479"/>
+            <a:ext cx="766428" cy="307777"/>
           </a:xfrm>
           <a:prstGeom prst="rect">
             <a:avLst/>
@@ -10292,70 +10335,43 @@
           <a:lstStyle/>
           <a:p>
             <a:r>
-              <a:rPr lang="en-GB" sz="1200" dirty="0"/>
-              <a:t>3. </a:t>
-            </a:r>
-            <a:r>
-              <a:rPr lang="en-GB" sz="1200" dirty="0" err="1"/>
-              <a:t>rejtett</a:t>
-            </a:r>
-            <a:r>
-              <a:rPr lang="en-GB" sz="1200" dirty="0"/>
-              <a:t> </a:t>
-            </a:r>
-            <a:r>
-              <a:rPr lang="en-GB" sz="1200" dirty="0" err="1"/>
-              <a:t>réteg</a:t>
-            </a:r>
-            <a:endParaRPr lang="en-GB" sz="1200" dirty="0"/>
-          </a:p>
-        </p:txBody>
-      </p:sp>
-      <p:sp>
-        <p:nvSpPr>
-          <p:cNvPr id="220" name="Szövegdoboz 219">
-            <a:extLst>
-              <a:ext uri="{FF2B5EF4-FFF2-40B4-BE49-F238E27FC236}">
-                <a16:creationId xmlns:a16="http://schemas.microsoft.com/office/drawing/2014/main" id="{2D58FDBF-8D7D-3B21-FAEB-D3975875C93B}"/>
-              </a:ext>
-            </a:extLst>
-          </p:cNvPr>
-          <p:cNvSpPr txBox="1"/>
-          <p:nvPr/>
-        </p:nvSpPr>
-        <p:spPr>
-          <a:xfrm>
-            <a:off x="680552" y="2381898"/>
-            <a:ext cx="277640" cy="523220"/>
-          </a:xfrm>
-          <a:prstGeom prst="rect">
-            <a:avLst/>
-          </a:prstGeom>
-          <a:noFill/>
-        </p:spPr>
-        <p:txBody>
-          <a:bodyPr wrap="none" rtlCol="0">
-            <a:spAutoFit/>
-          </a:bodyPr>
-          <a:lstStyle/>
-          <a:p>
+              <a:rPr lang="en-GB" sz="1400" dirty="0" err="1"/>
+              <a:t>Y</a:t>
+            </a:r>
+            <a:r>
+              <a:rPr lang="en-GB" sz="1400" baseline="-25000" dirty="0" err="1"/>
+              <a:t>t</a:t>
+            </a:r>
+            <a:r>
+              <a:rPr lang="en-GB" sz="1400" baseline="-25000" dirty="0"/>
+              <a:t> = </a:t>
+            </a:r>
             <a:r>
               <a:rPr lang="en-GB" sz="1400" dirty="0"/>
-              <a:t>X</a:t>
-            </a:r>
-            <a:br>
+              <a:t>f(</a:t>
+            </a:r>
+            <a:r>
+              <a:rPr lang="en-GB" sz="1400" dirty="0" err="1"/>
+              <a:t>x</a:t>
+            </a:r>
+            <a:r>
+              <a:rPr lang="en-GB" sz="1400" baseline="-25000" dirty="0" err="1"/>
+              <a:t>t</a:t>
+            </a:r>
+            <a:r>
               <a:rPr lang="en-GB" sz="1400" dirty="0"/>
-            </a:br>
-            <a:endParaRPr lang="en-GB" sz="1400" dirty="0"/>
+              <a:t>) </a:t>
+            </a:r>
+            <a:endParaRPr lang="en-GB" dirty="0"/>
           </a:p>
         </p:txBody>
       </p:sp>
       <p:cxnSp>
         <p:nvCxnSpPr>
-          <p:cNvPr id="221" name="Egyenes összekötő nyíllal 220">
-            <a:extLst>
-              <a:ext uri="{FF2B5EF4-FFF2-40B4-BE49-F238E27FC236}">
-                <a16:creationId xmlns:a16="http://schemas.microsoft.com/office/drawing/2014/main" id="{8F556E6E-3DFD-975E-2FA6-E0269D58F71E}"/>
+          <p:cNvPr id="223" name="Egyenes összekötő nyíllal 222">
+            <a:extLst>
+              <a:ext uri="{FF2B5EF4-FFF2-40B4-BE49-F238E27FC236}">
+                <a16:creationId xmlns:a16="http://schemas.microsoft.com/office/drawing/2014/main" id="{109540A8-E743-5138-98C4-4ED0ADF7F699}"/>
               </a:ext>
             </a:extLst>
           </p:cNvPr>
@@ -10366,8 +10382,8 @@
         </p:nvCxnSpPr>
         <p:spPr>
           <a:xfrm>
-            <a:off x="671624" y="2683378"/>
-            <a:ext cx="372729" cy="2969"/>
+            <a:off x="9534378" y="3447753"/>
+            <a:ext cx="809772" cy="0"/>
           </a:xfrm>
           <a:prstGeom prst="straightConnector1">
             <a:avLst/>
@@ -10396,122 +10412,6 @@
       </p:cxnSp>
       <p:sp>
         <p:nvSpPr>
-          <p:cNvPr id="222" name="Szövegdoboz 221">
-            <a:extLst>
-              <a:ext uri="{FF2B5EF4-FFF2-40B4-BE49-F238E27FC236}">
-                <a16:creationId xmlns:a16="http://schemas.microsoft.com/office/drawing/2014/main" id="{047A2308-8647-661E-115A-61915A54BDD4}"/>
-              </a:ext>
-            </a:extLst>
-          </p:cNvPr>
-          <p:cNvSpPr txBox="1"/>
-          <p:nvPr/>
-        </p:nvSpPr>
-        <p:spPr>
-          <a:xfrm>
-            <a:off x="7573915" y="2430337"/>
-            <a:ext cx="272832" cy="307777"/>
-          </a:xfrm>
-          <a:prstGeom prst="rect">
-            <a:avLst/>
-          </a:prstGeom>
-          <a:noFill/>
-        </p:spPr>
-        <p:txBody>
-          <a:bodyPr wrap="none" rtlCol="0">
-            <a:spAutoFit/>
-          </a:bodyPr>
-          <a:lstStyle/>
-          <a:p>
-            <a:r>
-              <a:rPr lang="en-GB" sz="1400" dirty="0"/>
-              <a:t>Y</a:t>
-            </a:r>
-            <a:endParaRPr lang="en-GB" dirty="0"/>
-          </a:p>
-        </p:txBody>
-      </p:sp>
-      <p:cxnSp>
-        <p:nvCxnSpPr>
-          <p:cNvPr id="223" name="Egyenes összekötő nyíllal 222">
-            <a:extLst>
-              <a:ext uri="{FF2B5EF4-FFF2-40B4-BE49-F238E27FC236}">
-                <a16:creationId xmlns:a16="http://schemas.microsoft.com/office/drawing/2014/main" id="{109540A8-E743-5138-98C4-4ED0ADF7F699}"/>
-              </a:ext>
-            </a:extLst>
-          </p:cNvPr>
-          <p:cNvCxnSpPr>
-            <a:cxnSpLocks/>
-          </p:cNvCxnSpPr>
-          <p:nvPr/>
-        </p:nvCxnSpPr>
-        <p:spPr>
-          <a:xfrm>
-            <a:off x="7578578" y="2713794"/>
-            <a:ext cx="320822" cy="0"/>
-          </a:xfrm>
-          <a:prstGeom prst="straightConnector1">
-            <a:avLst/>
-          </a:prstGeom>
-          <a:ln>
-            <a:solidFill>
-              <a:schemeClr val="tx1"/>
-            </a:solidFill>
-            <a:tailEnd type="triangle"/>
-          </a:ln>
-        </p:spPr>
-        <p:style>
-          <a:lnRef idx="1">
-            <a:schemeClr val="accent1"/>
-          </a:lnRef>
-          <a:fillRef idx="0">
-            <a:schemeClr val="accent1"/>
-          </a:fillRef>
-          <a:effectRef idx="0">
-            <a:schemeClr val="accent1"/>
-          </a:effectRef>
-          <a:fontRef idx="minor">
-            <a:schemeClr val="tx1"/>
-          </a:fontRef>
-        </p:style>
-      </p:cxnSp>
-      <p:sp>
-        <p:nvSpPr>
-          <p:cNvPr id="224" name="Szövegdoboz 223">
-            <a:extLst>
-              <a:ext uri="{FF2B5EF4-FFF2-40B4-BE49-F238E27FC236}">
-                <a16:creationId xmlns:a16="http://schemas.microsoft.com/office/drawing/2014/main" id="{71233026-8F7F-4265-42E2-87A48BC71F48}"/>
-              </a:ext>
-            </a:extLst>
-          </p:cNvPr>
-          <p:cNvSpPr txBox="1"/>
-          <p:nvPr/>
-        </p:nvSpPr>
-        <p:spPr>
-          <a:xfrm>
-            <a:off x="6918923" y="2544879"/>
-            <a:ext cx="606256" cy="276999"/>
-          </a:xfrm>
-          <a:prstGeom prst="rect">
-            <a:avLst/>
-          </a:prstGeom>
-          <a:noFill/>
-        </p:spPr>
-        <p:txBody>
-          <a:bodyPr wrap="none" rtlCol="0">
-            <a:spAutoFit/>
-          </a:bodyPr>
-          <a:lstStyle/>
-          <a:p>
-            <a:r>
-              <a:rPr lang="en-GB" sz="1200" dirty="0"/>
-              <a:t>f(x) = x</a:t>
-            </a:r>
-            <a:endParaRPr lang="en-GB" dirty="0"/>
-          </a:p>
-        </p:txBody>
-      </p:sp>
-      <p:sp>
-        <p:nvSpPr>
           <p:cNvPr id="225" name="Ellipszis 224">
             <a:extLst>
               <a:ext uri="{FF2B5EF4-FFF2-40B4-BE49-F238E27FC236}">
@@ -10524,7 +10424,7 @@
         </p:nvSpPr>
         <p:spPr>
           <a:xfrm>
-            <a:off x="2517817" y="2029874"/>
+            <a:off x="4473617" y="2763833"/>
             <a:ext cx="651617" cy="651617"/>
           </a:xfrm>
           <a:prstGeom prst="ellipse">
@@ -10586,7 +10486,7 @@
         </p:nvSpPr>
         <p:spPr>
           <a:xfrm>
-            <a:off x="2508713" y="3441445"/>
+            <a:off x="4464513" y="4175404"/>
             <a:ext cx="651617" cy="651617"/>
           </a:xfrm>
           <a:prstGeom prst="ellipse">
@@ -10624,7 +10524,7 @@
             <a:pPr algn="ctr"/>
             <a:r>
               <a:rPr lang="en-GB" sz="900" dirty="0"/>
-              <a:t>11. </a:t>
+              <a:t>12. </a:t>
             </a:r>
             <a:r>
               <a:rPr lang="en-GB" sz="700" dirty="0"/>
@@ -10636,45 +10536,6 @@
       </p:sp>
       <p:sp>
         <p:nvSpPr>
-          <p:cNvPr id="227" name="Szövegdoboz 226">
-            <a:extLst>
-              <a:ext uri="{FF2B5EF4-FFF2-40B4-BE49-F238E27FC236}">
-                <a16:creationId xmlns:a16="http://schemas.microsoft.com/office/drawing/2014/main" id="{777992D6-839C-B467-4357-D80DF7361606}"/>
-              </a:ext>
-            </a:extLst>
-          </p:cNvPr>
-          <p:cNvSpPr txBox="1"/>
-          <p:nvPr/>
-        </p:nvSpPr>
-        <p:spPr>
-          <a:xfrm>
-            <a:off x="2506664" y="2910313"/>
-            <a:ext cx="744114" cy="215444"/>
-          </a:xfrm>
-          <a:prstGeom prst="rect">
-            <a:avLst/>
-          </a:prstGeom>
-          <a:noFill/>
-        </p:spPr>
-        <p:txBody>
-          <a:bodyPr wrap="none" rtlCol="0">
-            <a:spAutoFit/>
-          </a:bodyPr>
-          <a:lstStyle/>
-          <a:p>
-            <a:r>
-              <a:rPr lang="en-GB" sz="800" dirty="0" err="1"/>
-              <a:t>i-edik</a:t>
-            </a:r>
-            <a:r>
-              <a:rPr lang="en-GB" sz="800" dirty="0"/>
-              <a:t> neuron</a:t>
-            </a:r>
-          </a:p>
-        </p:txBody>
-      </p:sp>
-      <p:sp>
-        <p:nvSpPr>
           <p:cNvPr id="228" name="Ellipszis 227">
             <a:extLst>
               <a:ext uri="{FF2B5EF4-FFF2-40B4-BE49-F238E27FC236}">
@@ -10687,7 +10548,7 @@
         </p:nvSpPr>
         <p:spPr>
           <a:xfrm>
-            <a:off x="3959541" y="1331730"/>
+            <a:off x="5915341" y="2065689"/>
             <a:ext cx="651617" cy="651617"/>
           </a:xfrm>
           <a:prstGeom prst="ellipse">
@@ -10749,7 +10610,7 @@
         </p:nvSpPr>
         <p:spPr>
           <a:xfrm>
-            <a:off x="3958927" y="2042899"/>
+            <a:off x="5914727" y="2776858"/>
             <a:ext cx="651617" cy="651617"/>
           </a:xfrm>
           <a:prstGeom prst="ellipse">
@@ -10811,7 +10672,7 @@
         </p:nvSpPr>
         <p:spPr>
           <a:xfrm>
-            <a:off x="3949823" y="3454470"/>
+            <a:off x="5905623" y="4188429"/>
             <a:ext cx="651617" cy="651617"/>
           </a:xfrm>
           <a:prstGeom prst="ellipse">
@@ -10849,52 +10710,13 @@
             <a:pPr algn="ctr"/>
             <a:r>
               <a:rPr lang="en-GB" sz="900" dirty="0"/>
-              <a:t>11. </a:t>
+              <a:t>12. </a:t>
             </a:r>
             <a:r>
               <a:rPr lang="en-GB" sz="700" dirty="0"/>
               <a:t>neuron</a:t>
             </a:r>
             <a:endParaRPr lang="en-GB" sz="1050" dirty="0"/>
-          </a:p>
-        </p:txBody>
-      </p:sp>
-      <p:sp>
-        <p:nvSpPr>
-          <p:cNvPr id="231" name="Szövegdoboz 230">
-            <a:extLst>
-              <a:ext uri="{FF2B5EF4-FFF2-40B4-BE49-F238E27FC236}">
-                <a16:creationId xmlns:a16="http://schemas.microsoft.com/office/drawing/2014/main" id="{A9811E21-8886-F847-2BE6-E1CD37870A14}"/>
-              </a:ext>
-            </a:extLst>
-          </p:cNvPr>
-          <p:cNvSpPr txBox="1"/>
-          <p:nvPr/>
-        </p:nvSpPr>
-        <p:spPr>
-          <a:xfrm>
-            <a:off x="3947774" y="2923338"/>
-            <a:ext cx="744114" cy="215444"/>
-          </a:xfrm>
-          <a:prstGeom prst="rect">
-            <a:avLst/>
-          </a:prstGeom>
-          <a:noFill/>
-        </p:spPr>
-        <p:txBody>
-          <a:bodyPr wrap="none" rtlCol="0">
-            <a:spAutoFit/>
-          </a:bodyPr>
-          <a:lstStyle/>
-          <a:p>
-            <a:r>
-              <a:rPr lang="en-GB" sz="800" dirty="0" err="1"/>
-              <a:t>i-edik</a:t>
-            </a:r>
-            <a:r>
-              <a:rPr lang="en-GB" sz="800" dirty="0"/>
-              <a:t> neuron</a:t>
-            </a:r>
           </a:p>
         </p:txBody>
       </p:sp>
@@ -10914,7 +10736,7 @@
         </p:nvCxnSpPr>
         <p:spPr>
           <a:xfrm>
-            <a:off x="3189250" y="1646799"/>
+            <a:off x="5145050" y="2380758"/>
             <a:ext cx="766848" cy="2"/>
           </a:xfrm>
           <a:prstGeom prst="straightConnector1">
@@ -10956,7 +10778,7 @@
         </p:nvSpPr>
         <p:spPr>
           <a:xfrm>
-            <a:off x="5421640" y="1299853"/>
+            <a:off x="7377440" y="2033812"/>
             <a:ext cx="651617" cy="651617"/>
           </a:xfrm>
           <a:prstGeom prst="ellipse">
@@ -11018,7 +10840,7 @@
         </p:nvSpPr>
         <p:spPr>
           <a:xfrm>
-            <a:off x="5421026" y="2011022"/>
+            <a:off x="7376826" y="2744981"/>
             <a:ext cx="651617" cy="651617"/>
           </a:xfrm>
           <a:prstGeom prst="ellipse">
@@ -11080,7 +10902,7 @@
         </p:nvSpPr>
         <p:spPr>
           <a:xfrm>
-            <a:off x="5411922" y="3422593"/>
+            <a:off x="7367722" y="4156552"/>
             <a:ext cx="651617" cy="651617"/>
           </a:xfrm>
           <a:prstGeom prst="ellipse">
@@ -11118,7 +10940,7 @@
             <a:pPr algn="ctr"/>
             <a:r>
               <a:rPr lang="en-GB" sz="900" dirty="0"/>
-              <a:t>11. </a:t>
+              <a:t>12. </a:t>
             </a:r>
             <a:r>
               <a:rPr lang="en-GB" sz="700" dirty="0"/>
@@ -11130,10 +10952,519 @@
       </p:sp>
       <p:sp>
         <p:nvSpPr>
-          <p:cNvPr id="236" name="Szövegdoboz 235">
-            <a:extLst>
-              <a:ext uri="{FF2B5EF4-FFF2-40B4-BE49-F238E27FC236}">
-                <a16:creationId xmlns:a16="http://schemas.microsoft.com/office/drawing/2014/main" id="{EC23563D-82F6-60DA-481B-8892837941A8}"/>
+          <p:cNvPr id="2" name="Ellipszis 147">
+            <a:extLst>
+              <a:ext uri="{FF2B5EF4-FFF2-40B4-BE49-F238E27FC236}">
+                <a16:creationId xmlns:a16="http://schemas.microsoft.com/office/drawing/2014/main" id="{1271DFAA-E6F1-7B1D-6D43-5876925632EE}"/>
+              </a:ext>
+            </a:extLst>
+          </p:cNvPr>
+          <p:cNvSpPr/>
+          <p:nvPr/>
+        </p:nvSpPr>
+        <p:spPr>
+          <a:xfrm>
+            <a:off x="3037413" y="2191526"/>
+            <a:ext cx="651617" cy="651617"/>
+          </a:xfrm>
+          <a:prstGeom prst="ellipse">
+            <a:avLst/>
+          </a:prstGeom>
+        </p:spPr>
+        <p:style>
+          <a:lnRef idx="2">
+            <a:schemeClr val="accent1">
+              <a:shade val="15000"/>
+            </a:schemeClr>
+          </a:lnRef>
+          <a:fillRef idx="1">
+            <a:schemeClr val="accent1"/>
+          </a:fillRef>
+          <a:effectRef idx="0">
+            <a:schemeClr val="accent1"/>
+          </a:effectRef>
+          <a:fontRef idx="minor">
+            <a:schemeClr val="lt1"/>
+          </a:fontRef>
+        </p:style>
+        <p:txBody>
+          <a:bodyPr rtlCol="0" anchor="ctr"/>
+          <a:lstStyle/>
+          <a:p>
+            <a:pPr algn="ctr"/>
+            <a:endParaRPr lang="en-GB" dirty="0"/>
+          </a:p>
+        </p:txBody>
+      </p:sp>
+      <p:sp>
+        <p:nvSpPr>
+          <p:cNvPr id="3" name="Ellipszis 147">
+            <a:extLst>
+              <a:ext uri="{FF2B5EF4-FFF2-40B4-BE49-F238E27FC236}">
+                <a16:creationId xmlns:a16="http://schemas.microsoft.com/office/drawing/2014/main" id="{783E6DF0-ED93-9801-8449-EABA22BD390D}"/>
+              </a:ext>
+            </a:extLst>
+          </p:cNvPr>
+          <p:cNvSpPr/>
+          <p:nvPr/>
+        </p:nvSpPr>
+        <p:spPr>
+          <a:xfrm>
+            <a:off x="3025104" y="4132702"/>
+            <a:ext cx="651617" cy="651617"/>
+          </a:xfrm>
+          <a:prstGeom prst="ellipse">
+            <a:avLst/>
+          </a:prstGeom>
+        </p:spPr>
+        <p:style>
+          <a:lnRef idx="2">
+            <a:schemeClr val="accent1">
+              <a:shade val="15000"/>
+            </a:schemeClr>
+          </a:lnRef>
+          <a:fillRef idx="1">
+            <a:schemeClr val="accent1"/>
+          </a:fillRef>
+          <a:effectRef idx="0">
+            <a:schemeClr val="accent1"/>
+          </a:effectRef>
+          <a:fontRef idx="minor">
+            <a:schemeClr val="lt1"/>
+          </a:fontRef>
+        </p:style>
+        <p:txBody>
+          <a:bodyPr rtlCol="0" anchor="ctr"/>
+          <a:lstStyle/>
+          <a:p>
+            <a:pPr algn="ctr"/>
+            <a:endParaRPr lang="en-GB" dirty="0"/>
+          </a:p>
+        </p:txBody>
+      </p:sp>
+      <p:cxnSp>
+        <p:nvCxnSpPr>
+          <p:cNvPr id="4" name="Egyenes összekötő nyíllal 154">
+            <a:extLst>
+              <a:ext uri="{FF2B5EF4-FFF2-40B4-BE49-F238E27FC236}">
+                <a16:creationId xmlns:a16="http://schemas.microsoft.com/office/drawing/2014/main" id="{429FAE62-3B70-7C70-F32B-EF99E9015BB0}"/>
+              </a:ext>
+            </a:extLst>
+          </p:cNvPr>
+          <p:cNvCxnSpPr>
+            <a:cxnSpLocks/>
+            <a:stCxn id="3" idx="6"/>
+            <a:endCxn id="226" idx="2"/>
+          </p:cNvCxnSpPr>
+          <p:nvPr/>
+        </p:nvCxnSpPr>
+        <p:spPr>
+          <a:xfrm>
+            <a:off x="3676721" y="4458511"/>
+            <a:ext cx="787792" cy="42702"/>
+          </a:xfrm>
+          <a:prstGeom prst="straightConnector1">
+            <a:avLst/>
+          </a:prstGeom>
+          <a:ln>
+            <a:solidFill>
+              <a:schemeClr val="tx1"/>
+            </a:solidFill>
+            <a:tailEnd type="triangle"/>
+          </a:ln>
+        </p:spPr>
+        <p:style>
+          <a:lnRef idx="1">
+            <a:schemeClr val="accent1"/>
+          </a:lnRef>
+          <a:fillRef idx="0">
+            <a:schemeClr val="accent1"/>
+          </a:fillRef>
+          <a:effectRef idx="0">
+            <a:schemeClr val="accent1"/>
+          </a:effectRef>
+          <a:fontRef idx="minor">
+            <a:schemeClr val="tx1"/>
+          </a:fontRef>
+        </p:style>
+      </p:cxnSp>
+      <p:cxnSp>
+        <p:nvCxnSpPr>
+          <p:cNvPr id="8" name="Egyenes összekötő nyíllal 154">
+            <a:extLst>
+              <a:ext uri="{FF2B5EF4-FFF2-40B4-BE49-F238E27FC236}">
+                <a16:creationId xmlns:a16="http://schemas.microsoft.com/office/drawing/2014/main" id="{65E26172-53E8-0A0C-8E02-C7312D66C539}"/>
+              </a:ext>
+            </a:extLst>
+          </p:cNvPr>
+          <p:cNvCxnSpPr>
+            <a:cxnSpLocks/>
+            <a:endCxn id="225" idx="2"/>
+          </p:cNvCxnSpPr>
+          <p:nvPr/>
+        </p:nvCxnSpPr>
+        <p:spPr>
+          <a:xfrm flipV="1">
+            <a:off x="3665712" y="3089642"/>
+            <a:ext cx="807905" cy="1382719"/>
+          </a:xfrm>
+          <a:prstGeom prst="straightConnector1">
+            <a:avLst/>
+          </a:prstGeom>
+          <a:ln>
+            <a:solidFill>
+              <a:schemeClr val="tx1"/>
+            </a:solidFill>
+            <a:tailEnd type="triangle"/>
+          </a:ln>
+        </p:spPr>
+        <p:style>
+          <a:lnRef idx="1">
+            <a:schemeClr val="accent1"/>
+          </a:lnRef>
+          <a:fillRef idx="0">
+            <a:schemeClr val="accent1"/>
+          </a:fillRef>
+          <a:effectRef idx="0">
+            <a:schemeClr val="accent1"/>
+          </a:effectRef>
+          <a:fontRef idx="minor">
+            <a:schemeClr val="tx1"/>
+          </a:fontRef>
+        </p:style>
+      </p:cxnSp>
+      <p:cxnSp>
+        <p:nvCxnSpPr>
+          <p:cNvPr id="10" name="Egyenes összekötő nyíllal 154">
+            <a:extLst>
+              <a:ext uri="{FF2B5EF4-FFF2-40B4-BE49-F238E27FC236}">
+                <a16:creationId xmlns:a16="http://schemas.microsoft.com/office/drawing/2014/main" id="{72D34373-7385-2865-4D52-84C9C7632376}"/>
+              </a:ext>
+            </a:extLst>
+          </p:cNvPr>
+          <p:cNvCxnSpPr>
+            <a:cxnSpLocks/>
+          </p:cNvCxnSpPr>
+          <p:nvPr/>
+        </p:nvCxnSpPr>
+        <p:spPr>
+          <a:xfrm flipV="1">
+            <a:off x="3665491" y="2406738"/>
+            <a:ext cx="787225" cy="2056762"/>
+          </a:xfrm>
+          <a:prstGeom prst="straightConnector1">
+            <a:avLst/>
+          </a:prstGeom>
+          <a:ln>
+            <a:solidFill>
+              <a:schemeClr val="tx1"/>
+            </a:solidFill>
+            <a:tailEnd type="triangle"/>
+          </a:ln>
+        </p:spPr>
+        <p:style>
+          <a:lnRef idx="1">
+            <a:schemeClr val="accent1"/>
+          </a:lnRef>
+          <a:fillRef idx="0">
+            <a:schemeClr val="accent1"/>
+          </a:fillRef>
+          <a:effectRef idx="0">
+            <a:schemeClr val="accent1"/>
+          </a:effectRef>
+          <a:fontRef idx="minor">
+            <a:schemeClr val="tx1"/>
+          </a:fontRef>
+        </p:style>
+      </p:cxnSp>
+      <p:cxnSp>
+        <p:nvCxnSpPr>
+          <p:cNvPr id="12" name="Egyenes összekötő nyíllal 155">
+            <a:extLst>
+              <a:ext uri="{FF2B5EF4-FFF2-40B4-BE49-F238E27FC236}">
+                <a16:creationId xmlns:a16="http://schemas.microsoft.com/office/drawing/2014/main" id="{B1991187-DEA8-760D-60C8-057C97498134}"/>
+              </a:ext>
+            </a:extLst>
+          </p:cNvPr>
+          <p:cNvCxnSpPr>
+            <a:cxnSpLocks/>
+            <a:endCxn id="226" idx="2"/>
+          </p:cNvCxnSpPr>
+          <p:nvPr/>
+        </p:nvCxnSpPr>
+        <p:spPr>
+          <a:xfrm>
+            <a:off x="3686049" y="2518949"/>
+            <a:ext cx="778464" cy="1982264"/>
+          </a:xfrm>
+          <a:prstGeom prst="straightConnector1">
+            <a:avLst/>
+          </a:prstGeom>
+          <a:ln>
+            <a:solidFill>
+              <a:schemeClr val="tx1"/>
+            </a:solidFill>
+            <a:tailEnd type="triangle"/>
+          </a:ln>
+        </p:spPr>
+        <p:style>
+          <a:lnRef idx="1">
+            <a:schemeClr val="accent1"/>
+          </a:lnRef>
+          <a:fillRef idx="0">
+            <a:schemeClr val="accent1"/>
+          </a:fillRef>
+          <a:effectRef idx="0">
+            <a:schemeClr val="accent1"/>
+          </a:effectRef>
+          <a:fontRef idx="minor">
+            <a:schemeClr val="tx1"/>
+          </a:fontRef>
+        </p:style>
+      </p:cxnSp>
+      <p:cxnSp>
+        <p:nvCxnSpPr>
+          <p:cNvPr id="14" name="Egyenes összekötő nyíllal 155">
+            <a:extLst>
+              <a:ext uri="{FF2B5EF4-FFF2-40B4-BE49-F238E27FC236}">
+                <a16:creationId xmlns:a16="http://schemas.microsoft.com/office/drawing/2014/main" id="{5B08D722-5B70-249B-4DF4-D16B2E050CB2}"/>
+              </a:ext>
+            </a:extLst>
+          </p:cNvPr>
+          <p:cNvCxnSpPr>
+            <a:cxnSpLocks/>
+          </p:cNvCxnSpPr>
+          <p:nvPr/>
+        </p:nvCxnSpPr>
+        <p:spPr>
+          <a:xfrm>
+            <a:off x="3676175" y="2514377"/>
+            <a:ext cx="776762" cy="611873"/>
+          </a:xfrm>
+          <a:prstGeom prst="straightConnector1">
+            <a:avLst/>
+          </a:prstGeom>
+          <a:ln>
+            <a:solidFill>
+              <a:schemeClr val="tx1"/>
+            </a:solidFill>
+            <a:tailEnd type="triangle"/>
+          </a:ln>
+        </p:spPr>
+        <p:style>
+          <a:lnRef idx="1">
+            <a:schemeClr val="accent1"/>
+          </a:lnRef>
+          <a:fillRef idx="0">
+            <a:schemeClr val="accent1"/>
+          </a:fillRef>
+          <a:effectRef idx="0">
+            <a:schemeClr val="accent1"/>
+          </a:effectRef>
+          <a:fontRef idx="minor">
+            <a:schemeClr val="tx1"/>
+          </a:fontRef>
+        </p:style>
+      </p:cxnSp>
+      <p:cxnSp>
+        <p:nvCxnSpPr>
+          <p:cNvPr id="16" name="Egyenes összekötő nyíllal 155">
+            <a:extLst>
+              <a:ext uri="{FF2B5EF4-FFF2-40B4-BE49-F238E27FC236}">
+                <a16:creationId xmlns:a16="http://schemas.microsoft.com/office/drawing/2014/main" id="{0AD9EAB8-6D1E-0E13-24C4-C9C7F099E2B0}"/>
+              </a:ext>
+            </a:extLst>
+          </p:cNvPr>
+          <p:cNvCxnSpPr>
+            <a:cxnSpLocks/>
+          </p:cNvCxnSpPr>
+          <p:nvPr/>
+        </p:nvCxnSpPr>
+        <p:spPr>
+          <a:xfrm flipV="1">
+            <a:off x="3681520" y="2414638"/>
+            <a:ext cx="777109" cy="104169"/>
+          </a:xfrm>
+          <a:prstGeom prst="straightConnector1">
+            <a:avLst/>
+          </a:prstGeom>
+          <a:ln>
+            <a:solidFill>
+              <a:schemeClr val="tx1"/>
+            </a:solidFill>
+            <a:tailEnd type="triangle"/>
+          </a:ln>
+        </p:spPr>
+        <p:style>
+          <a:lnRef idx="1">
+            <a:schemeClr val="accent1"/>
+          </a:lnRef>
+          <a:fillRef idx="0">
+            <a:schemeClr val="accent1"/>
+          </a:fillRef>
+          <a:effectRef idx="0">
+            <a:schemeClr val="accent1"/>
+          </a:effectRef>
+          <a:fontRef idx="minor">
+            <a:schemeClr val="tx1"/>
+          </a:fontRef>
+        </p:style>
+      </p:cxnSp>
+      <p:cxnSp>
+        <p:nvCxnSpPr>
+          <p:cNvPr id="18" name="Egyenes összekötő nyíllal 155">
+            <a:extLst>
+              <a:ext uri="{FF2B5EF4-FFF2-40B4-BE49-F238E27FC236}">
+                <a16:creationId xmlns:a16="http://schemas.microsoft.com/office/drawing/2014/main" id="{C7EFEE16-963C-10F8-E3AD-3A2A4DEF905F}"/>
+              </a:ext>
+            </a:extLst>
+          </p:cNvPr>
+          <p:cNvCxnSpPr>
+            <a:cxnSpLocks/>
+          </p:cNvCxnSpPr>
+          <p:nvPr/>
+        </p:nvCxnSpPr>
+        <p:spPr>
+          <a:xfrm>
+            <a:off x="3680580" y="2533460"/>
+            <a:ext cx="781884" cy="1218534"/>
+          </a:xfrm>
+          <a:prstGeom prst="straightConnector1">
+            <a:avLst/>
+          </a:prstGeom>
+          <a:ln>
+            <a:solidFill>
+              <a:schemeClr val="tx1"/>
+            </a:solidFill>
+            <a:tailEnd type="triangle"/>
+          </a:ln>
+        </p:spPr>
+        <p:style>
+          <a:lnRef idx="1">
+            <a:schemeClr val="accent1"/>
+          </a:lnRef>
+          <a:fillRef idx="0">
+            <a:schemeClr val="accent1"/>
+          </a:fillRef>
+          <a:effectRef idx="0">
+            <a:schemeClr val="accent1"/>
+          </a:effectRef>
+          <a:fontRef idx="minor">
+            <a:schemeClr val="tx1"/>
+          </a:fontRef>
+        </p:style>
+      </p:cxnSp>
+      <p:cxnSp>
+        <p:nvCxnSpPr>
+          <p:cNvPr id="20" name="Egyenes összekötő nyíllal 154">
+            <a:extLst>
+              <a:ext uri="{FF2B5EF4-FFF2-40B4-BE49-F238E27FC236}">
+                <a16:creationId xmlns:a16="http://schemas.microsoft.com/office/drawing/2014/main" id="{62E4EB3D-FDE0-92DA-4839-EA94481C57C3}"/>
+              </a:ext>
+            </a:extLst>
+          </p:cNvPr>
+          <p:cNvCxnSpPr>
+            <a:cxnSpLocks/>
+            <a:stCxn id="3" idx="6"/>
+          </p:cNvCxnSpPr>
+          <p:nvPr/>
+        </p:nvCxnSpPr>
+        <p:spPr>
+          <a:xfrm flipV="1">
+            <a:off x="3676721" y="3751994"/>
+            <a:ext cx="785743" cy="706517"/>
+          </a:xfrm>
+          <a:prstGeom prst="straightConnector1">
+            <a:avLst/>
+          </a:prstGeom>
+          <a:ln>
+            <a:solidFill>
+              <a:schemeClr val="tx1"/>
+            </a:solidFill>
+            <a:tailEnd type="triangle"/>
+          </a:ln>
+        </p:spPr>
+        <p:style>
+          <a:lnRef idx="1">
+            <a:schemeClr val="accent1"/>
+          </a:lnRef>
+          <a:fillRef idx="0">
+            <a:schemeClr val="accent1"/>
+          </a:fillRef>
+          <a:effectRef idx="0">
+            <a:schemeClr val="accent1"/>
+          </a:effectRef>
+          <a:fontRef idx="minor">
+            <a:schemeClr val="tx1"/>
+          </a:fontRef>
+        </p:style>
+      </p:cxnSp>
+      <p:sp>
+        <p:nvSpPr>
+          <p:cNvPr id="23" name="Ellipszis 224">
+            <a:extLst>
+              <a:ext uri="{FF2B5EF4-FFF2-40B4-BE49-F238E27FC236}">
+                <a16:creationId xmlns:a16="http://schemas.microsoft.com/office/drawing/2014/main" id="{43E2D6C3-AA08-E3A9-14A8-D0E218948BB4}"/>
+              </a:ext>
+            </a:extLst>
+          </p:cNvPr>
+          <p:cNvSpPr/>
+          <p:nvPr/>
+        </p:nvSpPr>
+        <p:spPr>
+          <a:xfrm>
+            <a:off x="4477356" y="3473691"/>
+            <a:ext cx="664466" cy="644700"/>
+          </a:xfrm>
+          <a:prstGeom prst="ellipse">
+            <a:avLst/>
+          </a:prstGeom>
+          <a:solidFill>
+            <a:srgbClr val="00B050"/>
+          </a:solidFill>
+          <a:ln>
+            <a:solidFill>
+              <a:srgbClr val="00B050"/>
+            </a:solidFill>
+          </a:ln>
+        </p:spPr>
+        <p:style>
+          <a:lnRef idx="2">
+            <a:schemeClr val="accent1">
+              <a:shade val="15000"/>
+            </a:schemeClr>
+          </a:lnRef>
+          <a:fillRef idx="1">
+            <a:schemeClr val="accent1"/>
+          </a:fillRef>
+          <a:effectRef idx="0">
+            <a:schemeClr val="accent1"/>
+          </a:effectRef>
+          <a:fontRef idx="minor">
+            <a:schemeClr val="lt1"/>
+          </a:fontRef>
+        </p:style>
+        <p:txBody>
+          <a:bodyPr rtlCol="0" anchor="ctr"/>
+          <a:lstStyle/>
+          <a:p>
+            <a:r>
+              <a:rPr lang="en-GB" sz="700" dirty="0" err="1"/>
+              <a:t>i-edik</a:t>
+            </a:r>
+            <a:r>
+              <a:rPr lang="en-GB" sz="700" dirty="0"/>
+              <a:t> neuron</a:t>
+            </a:r>
+          </a:p>
+        </p:txBody>
+      </p:sp>
+      <p:sp>
+        <p:nvSpPr>
+          <p:cNvPr id="241" name="Szövegdoboz 240">
+            <a:extLst>
+              <a:ext uri="{FF2B5EF4-FFF2-40B4-BE49-F238E27FC236}">
+                <a16:creationId xmlns:a16="http://schemas.microsoft.com/office/drawing/2014/main" id="{A9A96026-5582-2916-9FCF-2B7C9B1197BC}"/>
               </a:ext>
             </a:extLst>
           </p:cNvPr>
@@ -11142,47 +11473,8 @@
         </p:nvSpPr>
         <p:spPr>
           <a:xfrm>
-            <a:off x="5409873" y="2891461"/>
-            <a:ext cx="744114" cy="215444"/>
-          </a:xfrm>
-          <a:prstGeom prst="rect">
-            <a:avLst/>
-          </a:prstGeom>
-          <a:noFill/>
-        </p:spPr>
-        <p:txBody>
-          <a:bodyPr wrap="none" rtlCol="0">
-            <a:spAutoFit/>
-          </a:bodyPr>
-          <a:lstStyle/>
-          <a:p>
-            <a:r>
-              <a:rPr lang="en-GB" sz="800" dirty="0" err="1"/>
-              <a:t>i-edik</a:t>
-            </a:r>
-            <a:r>
-              <a:rPr lang="en-GB" sz="800" dirty="0"/>
-              <a:t> neuron</a:t>
-            </a:r>
-          </a:p>
-        </p:txBody>
-      </p:sp>
-      <p:sp>
-        <p:nvSpPr>
-          <p:cNvPr id="241" name="Szövegdoboz 240">
-            <a:extLst>
-              <a:ext uri="{FF2B5EF4-FFF2-40B4-BE49-F238E27FC236}">
-                <a16:creationId xmlns:a16="http://schemas.microsoft.com/office/drawing/2014/main" id="{A9A96026-5582-2916-9FCF-2B7C9B1197BC}"/>
-              </a:ext>
-            </a:extLst>
-          </p:cNvPr>
-          <p:cNvSpPr txBox="1"/>
-          <p:nvPr/>
-        </p:nvSpPr>
-        <p:spPr>
-          <a:xfrm>
-            <a:off x="-1616938" y="2490638"/>
-            <a:ext cx="6096000" cy="307777"/>
+            <a:off x="3107148" y="2364288"/>
+            <a:ext cx="525912" cy="307777"/>
           </a:xfrm>
           <a:prstGeom prst="rect">
             <a:avLst/>
@@ -11197,14 +11489,576 @@
           <a:p>
             <a:pPr algn="ctr"/>
             <a:r>
-              <a:rPr lang="en-GB" sz="1400" dirty="0"/>
+              <a:rPr lang="en-GB" sz="1400" dirty="0">
+                <a:solidFill>
+                  <a:schemeClr val="bg1"/>
+                </a:solidFill>
+              </a:rPr>
               <a:t>X</a:t>
             </a:r>
             <a:r>
-              <a:rPr lang="en-GB" sz="1400" baseline="-25000" dirty="0"/>
+              <a:rPr lang="en-GB" sz="1400" baseline="-25000" dirty="0">
+                <a:solidFill>
+                  <a:schemeClr val="bg1"/>
+                </a:solidFill>
+              </a:rPr>
               <a:t>1</a:t>
             </a:r>
-            <a:endParaRPr lang="en-GB" baseline="-25000" dirty="0"/>
+            <a:endParaRPr lang="en-GB" baseline="-25000" dirty="0">
+              <a:solidFill>
+                <a:schemeClr val="bg1"/>
+              </a:solidFill>
+            </a:endParaRPr>
+          </a:p>
+        </p:txBody>
+      </p:sp>
+      <p:sp>
+        <p:nvSpPr>
+          <p:cNvPr id="25" name="Ellipszis 224">
+            <a:extLst>
+              <a:ext uri="{FF2B5EF4-FFF2-40B4-BE49-F238E27FC236}">
+                <a16:creationId xmlns:a16="http://schemas.microsoft.com/office/drawing/2014/main" id="{E4440ECD-9638-B935-69AD-BCFDD7DD39C1}"/>
+              </a:ext>
+            </a:extLst>
+          </p:cNvPr>
+          <p:cNvSpPr/>
+          <p:nvPr/>
+        </p:nvSpPr>
+        <p:spPr>
+          <a:xfrm>
+            <a:off x="7373887" y="3472073"/>
+            <a:ext cx="664466" cy="644700"/>
+          </a:xfrm>
+          <a:prstGeom prst="ellipse">
+            <a:avLst/>
+          </a:prstGeom>
+          <a:solidFill>
+            <a:srgbClr val="00B050"/>
+          </a:solidFill>
+          <a:ln>
+            <a:solidFill>
+              <a:srgbClr val="00B050"/>
+            </a:solidFill>
+          </a:ln>
+        </p:spPr>
+        <p:style>
+          <a:lnRef idx="2">
+            <a:schemeClr val="accent1">
+              <a:shade val="15000"/>
+            </a:schemeClr>
+          </a:lnRef>
+          <a:fillRef idx="1">
+            <a:schemeClr val="accent1"/>
+          </a:fillRef>
+          <a:effectRef idx="0">
+            <a:schemeClr val="accent1"/>
+          </a:effectRef>
+          <a:fontRef idx="minor">
+            <a:schemeClr val="lt1"/>
+          </a:fontRef>
+        </p:style>
+        <p:txBody>
+          <a:bodyPr rtlCol="0" anchor="ctr"/>
+          <a:lstStyle/>
+          <a:p>
+            <a:r>
+              <a:rPr lang="en-GB" sz="700" dirty="0" err="1"/>
+              <a:t>i-edik</a:t>
+            </a:r>
+            <a:r>
+              <a:rPr lang="en-GB" sz="700" dirty="0"/>
+              <a:t> neuron</a:t>
+            </a:r>
+          </a:p>
+        </p:txBody>
+      </p:sp>
+      <p:sp>
+        <p:nvSpPr>
+          <p:cNvPr id="28" name="Szövegdoboz 240">
+            <a:extLst>
+              <a:ext uri="{FF2B5EF4-FFF2-40B4-BE49-F238E27FC236}">
+                <a16:creationId xmlns:a16="http://schemas.microsoft.com/office/drawing/2014/main" id="{1A44FED1-1599-0AB8-1CBA-14EEC9F4A59F}"/>
+              </a:ext>
+            </a:extLst>
+          </p:cNvPr>
+          <p:cNvSpPr txBox="1"/>
+          <p:nvPr/>
+        </p:nvSpPr>
+        <p:spPr>
+          <a:xfrm>
+            <a:off x="3116388" y="3232369"/>
+            <a:ext cx="525912" cy="307777"/>
+          </a:xfrm>
+          <a:prstGeom prst="rect">
+            <a:avLst/>
+          </a:prstGeom>
+          <a:noFill/>
+        </p:spPr>
+        <p:txBody>
+          <a:bodyPr wrap="square">
+            <a:spAutoFit/>
+          </a:bodyPr>
+          <a:lstStyle/>
+          <a:p>
+            <a:pPr algn="ctr"/>
+            <a:r>
+              <a:rPr lang="en-GB" sz="1400" dirty="0">
+                <a:solidFill>
+                  <a:schemeClr val="bg1"/>
+                </a:solidFill>
+              </a:rPr>
+              <a:t>X</a:t>
+            </a:r>
+            <a:r>
+              <a:rPr lang="en-GB" sz="1400" baseline="-25000" dirty="0">
+                <a:solidFill>
+                  <a:schemeClr val="bg1"/>
+                </a:solidFill>
+              </a:rPr>
+              <a:t>2</a:t>
+            </a:r>
+            <a:endParaRPr lang="en-GB" baseline="-25000" dirty="0">
+              <a:solidFill>
+                <a:schemeClr val="bg1"/>
+              </a:solidFill>
+            </a:endParaRPr>
+          </a:p>
+        </p:txBody>
+      </p:sp>
+      <p:sp>
+        <p:nvSpPr>
+          <p:cNvPr id="29" name="Szövegdoboz 240">
+            <a:extLst>
+              <a:ext uri="{FF2B5EF4-FFF2-40B4-BE49-F238E27FC236}">
+                <a16:creationId xmlns:a16="http://schemas.microsoft.com/office/drawing/2014/main" id="{E8E55EF9-B7C4-0C9E-AB05-F290EE187BBE}"/>
+              </a:ext>
+            </a:extLst>
+          </p:cNvPr>
+          <p:cNvSpPr txBox="1"/>
+          <p:nvPr/>
+        </p:nvSpPr>
+        <p:spPr>
+          <a:xfrm>
+            <a:off x="3099649" y="4271307"/>
+            <a:ext cx="525912" cy="307777"/>
+          </a:xfrm>
+          <a:prstGeom prst="rect">
+            <a:avLst/>
+          </a:prstGeom>
+          <a:noFill/>
+        </p:spPr>
+        <p:txBody>
+          <a:bodyPr wrap="square">
+            <a:spAutoFit/>
+          </a:bodyPr>
+          <a:lstStyle/>
+          <a:p>
+            <a:pPr algn="ctr"/>
+            <a:r>
+              <a:rPr lang="en-GB" sz="1400" dirty="0">
+                <a:solidFill>
+                  <a:schemeClr val="bg1"/>
+                </a:solidFill>
+              </a:rPr>
+              <a:t>X</a:t>
+            </a:r>
+            <a:r>
+              <a:rPr lang="en-GB" sz="1400" baseline="-25000" dirty="0">
+                <a:solidFill>
+                  <a:schemeClr val="bg1"/>
+                </a:solidFill>
+              </a:rPr>
+              <a:t>3</a:t>
+            </a:r>
+            <a:endParaRPr lang="en-GB" baseline="-25000" dirty="0">
+              <a:solidFill>
+                <a:schemeClr val="bg1"/>
+              </a:solidFill>
+            </a:endParaRPr>
+          </a:p>
+        </p:txBody>
+      </p:sp>
+      <p:cxnSp>
+        <p:nvCxnSpPr>
+          <p:cNvPr id="30" name="Egyenes összekötő nyíllal 220">
+            <a:extLst>
+              <a:ext uri="{FF2B5EF4-FFF2-40B4-BE49-F238E27FC236}">
+                <a16:creationId xmlns:a16="http://schemas.microsoft.com/office/drawing/2014/main" id="{203997DA-F773-49E5-20AB-056DF21D480D}"/>
+              </a:ext>
+            </a:extLst>
+          </p:cNvPr>
+          <p:cNvCxnSpPr>
+            <a:cxnSpLocks/>
+          </p:cNvCxnSpPr>
+          <p:nvPr/>
+        </p:nvCxnSpPr>
+        <p:spPr>
+          <a:xfrm>
+            <a:off x="2600590" y="2511408"/>
+            <a:ext cx="372729" cy="2969"/>
+          </a:xfrm>
+          <a:prstGeom prst="straightConnector1">
+            <a:avLst/>
+          </a:prstGeom>
+          <a:ln>
+            <a:solidFill>
+              <a:schemeClr val="tx1"/>
+            </a:solidFill>
+            <a:tailEnd type="triangle"/>
+          </a:ln>
+        </p:spPr>
+        <p:style>
+          <a:lnRef idx="1">
+            <a:schemeClr val="accent1"/>
+          </a:lnRef>
+          <a:fillRef idx="0">
+            <a:schemeClr val="accent1"/>
+          </a:fillRef>
+          <a:effectRef idx="0">
+            <a:schemeClr val="accent1"/>
+          </a:effectRef>
+          <a:fontRef idx="minor">
+            <a:schemeClr val="tx1"/>
+          </a:fontRef>
+        </p:style>
+      </p:cxnSp>
+      <p:cxnSp>
+        <p:nvCxnSpPr>
+          <p:cNvPr id="31" name="Egyenes összekötő nyíllal 220">
+            <a:extLst>
+              <a:ext uri="{FF2B5EF4-FFF2-40B4-BE49-F238E27FC236}">
+                <a16:creationId xmlns:a16="http://schemas.microsoft.com/office/drawing/2014/main" id="{6E380112-264B-4E17-0B90-8F53FCA00FFB}"/>
+              </a:ext>
+            </a:extLst>
+          </p:cNvPr>
+          <p:cNvCxnSpPr>
+            <a:cxnSpLocks/>
+          </p:cNvCxnSpPr>
+          <p:nvPr/>
+        </p:nvCxnSpPr>
+        <p:spPr>
+          <a:xfrm>
+            <a:off x="2594103" y="4455349"/>
+            <a:ext cx="372729" cy="2969"/>
+          </a:xfrm>
+          <a:prstGeom prst="straightConnector1">
+            <a:avLst/>
+          </a:prstGeom>
+          <a:ln>
+            <a:solidFill>
+              <a:schemeClr val="tx1"/>
+            </a:solidFill>
+            <a:tailEnd type="triangle"/>
+          </a:ln>
+        </p:spPr>
+        <p:style>
+          <a:lnRef idx="1">
+            <a:schemeClr val="accent1"/>
+          </a:lnRef>
+          <a:fillRef idx="0">
+            <a:schemeClr val="accent1"/>
+          </a:fillRef>
+          <a:effectRef idx="0">
+            <a:schemeClr val="accent1"/>
+          </a:effectRef>
+          <a:fontRef idx="minor">
+            <a:schemeClr val="tx1"/>
+          </a:fontRef>
+        </p:style>
+      </p:cxnSp>
+      <p:sp>
+        <p:nvSpPr>
+          <p:cNvPr id="33" name="Szövegdoboz 219">
+            <a:extLst>
+              <a:ext uri="{FF2B5EF4-FFF2-40B4-BE49-F238E27FC236}">
+                <a16:creationId xmlns:a16="http://schemas.microsoft.com/office/drawing/2014/main" id="{753A957C-9B4F-0456-3C49-865DF78AEB64}"/>
+              </a:ext>
+            </a:extLst>
+          </p:cNvPr>
+          <p:cNvSpPr txBox="1"/>
+          <p:nvPr/>
+        </p:nvSpPr>
+        <p:spPr>
+          <a:xfrm>
+            <a:off x="9492285" y="2984519"/>
+            <a:ext cx="1429236" cy="430887"/>
+          </a:xfrm>
+          <a:prstGeom prst="rect">
+            <a:avLst/>
+          </a:prstGeom>
+          <a:noFill/>
+        </p:spPr>
+        <p:txBody>
+          <a:bodyPr wrap="square" rtlCol="0">
+            <a:spAutoFit/>
+          </a:bodyPr>
+          <a:lstStyle/>
+          <a:p>
+            <a:r>
+              <a:rPr lang="en-GB" sz="1100" dirty="0" err="1"/>
+              <a:t>Előrejelzett</a:t>
+            </a:r>
+            <a:r>
+              <a:rPr lang="en-GB" sz="1100" dirty="0"/>
+              <a:t> </a:t>
+            </a:r>
+          </a:p>
+          <a:p>
+            <a:r>
+              <a:rPr lang="en-GB" sz="1100" dirty="0" err="1"/>
+              <a:t>érték</a:t>
+            </a:r>
+            <a:endParaRPr lang="en-GB" sz="1200" dirty="0"/>
+          </a:p>
+        </p:txBody>
+      </p:sp>
+      <p:pic>
+        <p:nvPicPr>
+          <p:cNvPr id="36" name="Picture 35">
+            <a:extLst>
+              <a:ext uri="{FF2B5EF4-FFF2-40B4-BE49-F238E27FC236}">
+                <a16:creationId xmlns:a16="http://schemas.microsoft.com/office/drawing/2014/main" id="{571FB18B-90A1-A2B8-F53E-E541E283162A}"/>
+              </a:ext>
+            </a:extLst>
+          </p:cNvPr>
+          <p:cNvPicPr>
+            <a:picLocks noChangeAspect="1"/>
+          </p:cNvPicPr>
+          <p:nvPr/>
+        </p:nvPicPr>
+        <p:blipFill>
+          <a:blip r:embed="rId2"/>
+          <a:stretch>
+            <a:fillRect/>
+          </a:stretch>
+        </p:blipFill>
+        <p:spPr>
+          <a:xfrm>
+            <a:off x="4370710" y="4913771"/>
+            <a:ext cx="934716" cy="208785"/>
+          </a:xfrm>
+          <a:prstGeom prst="rect">
+            <a:avLst/>
+          </a:prstGeom>
+        </p:spPr>
+      </p:pic>
+      <p:pic>
+        <p:nvPicPr>
+          <p:cNvPr id="37" name="Picture 36">
+            <a:extLst>
+              <a:ext uri="{FF2B5EF4-FFF2-40B4-BE49-F238E27FC236}">
+                <a16:creationId xmlns:a16="http://schemas.microsoft.com/office/drawing/2014/main" id="{ED448188-1488-E64D-2F2E-9D43AA25E99F}"/>
+              </a:ext>
+            </a:extLst>
+          </p:cNvPr>
+          <p:cNvPicPr>
+            <a:picLocks noChangeAspect="1"/>
+          </p:cNvPicPr>
+          <p:nvPr/>
+        </p:nvPicPr>
+        <p:blipFill>
+          <a:blip r:embed="rId2"/>
+          <a:stretch>
+            <a:fillRect/>
+          </a:stretch>
+        </p:blipFill>
+        <p:spPr>
+          <a:xfrm>
+            <a:off x="5773177" y="4902530"/>
+            <a:ext cx="934716" cy="208785"/>
+          </a:xfrm>
+          <a:prstGeom prst="rect">
+            <a:avLst/>
+          </a:prstGeom>
+        </p:spPr>
+      </p:pic>
+      <p:pic>
+        <p:nvPicPr>
+          <p:cNvPr id="38" name="Picture 37">
+            <a:extLst>
+              <a:ext uri="{FF2B5EF4-FFF2-40B4-BE49-F238E27FC236}">
+                <a16:creationId xmlns:a16="http://schemas.microsoft.com/office/drawing/2014/main" id="{84DF0600-1196-0F01-F67E-79B15A9E33D5}"/>
+              </a:ext>
+            </a:extLst>
+          </p:cNvPr>
+          <p:cNvPicPr>
+            <a:picLocks noChangeAspect="1"/>
+          </p:cNvPicPr>
+          <p:nvPr/>
+        </p:nvPicPr>
+        <p:blipFill>
+          <a:blip r:embed="rId2"/>
+          <a:stretch>
+            <a:fillRect/>
+          </a:stretch>
+        </p:blipFill>
+        <p:spPr>
+          <a:xfrm>
+            <a:off x="7248710" y="4934523"/>
+            <a:ext cx="934716" cy="208785"/>
+          </a:xfrm>
+          <a:prstGeom prst="rect">
+            <a:avLst/>
+          </a:prstGeom>
+        </p:spPr>
+      </p:pic>
+      <p:sp>
+        <p:nvSpPr>
+          <p:cNvPr id="40" name="Szövegdoboz 219">
+            <a:extLst>
+              <a:ext uri="{FF2B5EF4-FFF2-40B4-BE49-F238E27FC236}">
+                <a16:creationId xmlns:a16="http://schemas.microsoft.com/office/drawing/2014/main" id="{F36A632E-3015-4A04-A900-28ABB5BEDF37}"/>
+              </a:ext>
+            </a:extLst>
+          </p:cNvPr>
+          <p:cNvSpPr txBox="1"/>
+          <p:nvPr/>
+        </p:nvSpPr>
+        <p:spPr>
+          <a:xfrm>
+            <a:off x="1352706" y="2236347"/>
+            <a:ext cx="1588544" cy="489301"/>
+          </a:xfrm>
+          <a:prstGeom prst="rect">
+            <a:avLst/>
+          </a:prstGeom>
+          <a:noFill/>
+        </p:spPr>
+        <p:txBody>
+          <a:bodyPr wrap="square" rtlCol="0">
+            <a:spAutoFit/>
+          </a:bodyPr>
+          <a:lstStyle/>
+          <a:p>
+            <a:pPr algn="r"/>
+            <a:r>
+              <a:rPr lang="en-GB" sz="1100" dirty="0" err="1"/>
+              <a:t>i-edik</a:t>
+            </a:r>
+            <a:r>
+              <a:rPr lang="en-GB" sz="1100" dirty="0"/>
+              <a:t> </a:t>
+            </a:r>
+          </a:p>
+          <a:p>
+            <a:pPr algn="r">
+              <a:lnSpc>
+                <a:spcPct val="150000"/>
+              </a:lnSpc>
+            </a:pPr>
+            <a:r>
+              <a:rPr lang="en-GB" sz="1100" dirty="0" err="1"/>
+              <a:t>megfigyelés</a:t>
+            </a:r>
+            <a:endParaRPr lang="en-GB" sz="1100" dirty="0"/>
+          </a:p>
+        </p:txBody>
+      </p:sp>
+      <p:sp>
+        <p:nvSpPr>
+          <p:cNvPr id="41" name="Szövegdoboz 219">
+            <a:extLst>
+              <a:ext uri="{FF2B5EF4-FFF2-40B4-BE49-F238E27FC236}">
+                <a16:creationId xmlns:a16="http://schemas.microsoft.com/office/drawing/2014/main" id="{5CB1210F-B9F9-7B09-B619-79EBF659E56C}"/>
+              </a:ext>
+            </a:extLst>
+          </p:cNvPr>
+          <p:cNvSpPr txBox="1"/>
+          <p:nvPr/>
+        </p:nvSpPr>
+        <p:spPr>
+          <a:xfrm>
+            <a:off x="1395834" y="3099287"/>
+            <a:ext cx="1588544" cy="573940"/>
+          </a:xfrm>
+          <a:prstGeom prst="rect">
+            <a:avLst/>
+          </a:prstGeom>
+          <a:noFill/>
+        </p:spPr>
+        <p:txBody>
+          <a:bodyPr wrap="square" rtlCol="0">
+            <a:spAutoFit/>
+          </a:bodyPr>
+          <a:lstStyle/>
+          <a:p>
+            <a:pPr algn="r">
+              <a:lnSpc>
+                <a:spcPct val="150000"/>
+              </a:lnSpc>
+            </a:pPr>
+            <a:r>
+              <a:rPr lang="en-GB" sz="1100" dirty="0" err="1"/>
+              <a:t>i</a:t>
+            </a:r>
+            <a:r>
+              <a:rPr lang="en-GB" sz="1100" dirty="0"/>
+              <a:t> + 1-edik </a:t>
+            </a:r>
+          </a:p>
+          <a:p>
+            <a:pPr algn="r">
+              <a:lnSpc>
+                <a:spcPct val="150000"/>
+              </a:lnSpc>
+            </a:pPr>
+            <a:r>
+              <a:rPr lang="en-GB" sz="1100" dirty="0" err="1"/>
+              <a:t>megfigyelés</a:t>
+            </a:r>
+            <a:endParaRPr lang="en-GB" sz="1100" dirty="0"/>
+          </a:p>
+        </p:txBody>
+      </p:sp>
+      <p:sp>
+        <p:nvSpPr>
+          <p:cNvPr id="42" name="Szövegdoboz 219">
+            <a:extLst>
+              <a:ext uri="{FF2B5EF4-FFF2-40B4-BE49-F238E27FC236}">
+                <a16:creationId xmlns:a16="http://schemas.microsoft.com/office/drawing/2014/main" id="{98D583F9-1B04-B225-64B3-47FDCCB9470B}"/>
+              </a:ext>
+            </a:extLst>
+          </p:cNvPr>
+          <p:cNvSpPr txBox="1"/>
+          <p:nvPr/>
+        </p:nvSpPr>
+        <p:spPr>
+          <a:xfrm>
+            <a:off x="1339039" y="4151974"/>
+            <a:ext cx="1588544" cy="515526"/>
+          </a:xfrm>
+          <a:prstGeom prst="rect">
+            <a:avLst/>
+          </a:prstGeom>
+          <a:noFill/>
+        </p:spPr>
+        <p:txBody>
+          <a:bodyPr wrap="square" rtlCol="0">
+            <a:spAutoFit/>
+          </a:bodyPr>
+          <a:lstStyle/>
+          <a:p>
+            <a:pPr algn="r">
+              <a:lnSpc>
+                <a:spcPct val="150000"/>
+              </a:lnSpc>
+            </a:pPr>
+            <a:r>
+              <a:rPr lang="en-GB" sz="1100" dirty="0" err="1"/>
+              <a:t>i</a:t>
+            </a:r>
+            <a:r>
+              <a:rPr lang="en-GB" sz="1100" dirty="0"/>
+              <a:t> + 3-edik </a:t>
+            </a:r>
+          </a:p>
+          <a:p>
+            <a:pPr algn="r"/>
+            <a:r>
+              <a:rPr lang="en-GB" sz="1100" dirty="0" err="1"/>
+              <a:t>megfigyelés</a:t>
+            </a:r>
+            <a:endParaRPr lang="en-GB" sz="1100" dirty="0"/>
           </a:p>
         </p:txBody>
       </p:sp>
